--- a/Workshops/biomarker_discovery/slides/img/cv.pptx
+++ b/Workshops/biomarker_discovery/slides/img/cv.pptx
@@ -269,7 +269,7 @@
           <a:p>
             <a:fld id="{564F0976-8045-BC41-B702-27FF8B87F097}" type="datetimeFigureOut">
               <a:rPr lang="en-US" smtClean="0"/>
-              <a:t>8/4/22</a:t>
+              <a:t>8/5/22</a:t>
             </a:fld>
             <a:endParaRPr lang="en-US"/>
           </a:p>
@@ -467,7 +467,7 @@
           <a:p>
             <a:fld id="{564F0976-8045-BC41-B702-27FF8B87F097}" type="datetimeFigureOut">
               <a:rPr lang="en-US" smtClean="0"/>
-              <a:t>8/4/22</a:t>
+              <a:t>8/5/22</a:t>
             </a:fld>
             <a:endParaRPr lang="en-US"/>
           </a:p>
@@ -675,7 +675,7 @@
           <a:p>
             <a:fld id="{564F0976-8045-BC41-B702-27FF8B87F097}" type="datetimeFigureOut">
               <a:rPr lang="en-US" smtClean="0"/>
-              <a:t>8/4/22</a:t>
+              <a:t>8/5/22</a:t>
             </a:fld>
             <a:endParaRPr lang="en-US"/>
           </a:p>
@@ -873,7 +873,7 @@
           <a:p>
             <a:fld id="{564F0976-8045-BC41-B702-27FF8B87F097}" type="datetimeFigureOut">
               <a:rPr lang="en-US" smtClean="0"/>
-              <a:t>8/4/22</a:t>
+              <a:t>8/5/22</a:t>
             </a:fld>
             <a:endParaRPr lang="en-US"/>
           </a:p>
@@ -1148,7 +1148,7 @@
           <a:p>
             <a:fld id="{564F0976-8045-BC41-B702-27FF8B87F097}" type="datetimeFigureOut">
               <a:rPr lang="en-US" smtClean="0"/>
-              <a:t>8/4/22</a:t>
+              <a:t>8/5/22</a:t>
             </a:fld>
             <a:endParaRPr lang="en-US"/>
           </a:p>
@@ -1413,7 +1413,7 @@
           <a:p>
             <a:fld id="{564F0976-8045-BC41-B702-27FF8B87F097}" type="datetimeFigureOut">
               <a:rPr lang="en-US" smtClean="0"/>
-              <a:t>8/4/22</a:t>
+              <a:t>8/5/22</a:t>
             </a:fld>
             <a:endParaRPr lang="en-US"/>
           </a:p>
@@ -1825,7 +1825,7 @@
           <a:p>
             <a:fld id="{564F0976-8045-BC41-B702-27FF8B87F097}" type="datetimeFigureOut">
               <a:rPr lang="en-US" smtClean="0"/>
-              <a:t>8/4/22</a:t>
+              <a:t>8/5/22</a:t>
             </a:fld>
             <a:endParaRPr lang="en-US"/>
           </a:p>
@@ -1966,7 +1966,7 @@
           <a:p>
             <a:fld id="{564F0976-8045-BC41-B702-27FF8B87F097}" type="datetimeFigureOut">
               <a:rPr lang="en-US" smtClean="0"/>
-              <a:t>8/4/22</a:t>
+              <a:t>8/5/22</a:t>
             </a:fld>
             <a:endParaRPr lang="en-US"/>
           </a:p>
@@ -2079,7 +2079,7 @@
           <a:p>
             <a:fld id="{564F0976-8045-BC41-B702-27FF8B87F097}" type="datetimeFigureOut">
               <a:rPr lang="en-US" smtClean="0"/>
-              <a:t>8/4/22</a:t>
+              <a:t>8/5/22</a:t>
             </a:fld>
             <a:endParaRPr lang="en-US"/>
           </a:p>
@@ -2390,7 +2390,7 @@
           <a:p>
             <a:fld id="{564F0976-8045-BC41-B702-27FF8B87F097}" type="datetimeFigureOut">
               <a:rPr lang="en-US" smtClean="0"/>
-              <a:t>8/4/22</a:t>
+              <a:t>8/5/22</a:t>
             </a:fld>
             <a:endParaRPr lang="en-US"/>
           </a:p>
@@ -2678,7 +2678,7 @@
           <a:p>
             <a:fld id="{564F0976-8045-BC41-B702-27FF8B87F097}" type="datetimeFigureOut">
               <a:rPr lang="en-US" smtClean="0"/>
-              <a:t>8/4/22</a:t>
+              <a:t>8/5/22</a:t>
             </a:fld>
             <a:endParaRPr lang="en-US"/>
           </a:p>
@@ -2919,7 +2919,7 @@
           <a:p>
             <a:fld id="{564F0976-8045-BC41-B702-27FF8B87F097}" type="datetimeFigureOut">
               <a:rPr lang="en-US" smtClean="0"/>
-              <a:t>8/4/22</a:t>
+              <a:t>8/5/22</a:t>
             </a:fld>
             <a:endParaRPr lang="en-US"/>
           </a:p>
@@ -3813,55 +3813,114 @@
           </a:p>
         </p:txBody>
       </p:sp>
-      <p:sp>
-        <p:nvSpPr>
-          <p:cNvPr id="21" name="Rectangle 20">
-            <a:extLst>
-              <a:ext uri="{FF2B5EF4-FFF2-40B4-BE49-F238E27FC236}">
-                <a16:creationId xmlns:a16="http://schemas.microsoft.com/office/drawing/2014/main" id="{F0C0A5B0-40F9-8D20-528D-5208416C010C}"/>
-              </a:ext>
-            </a:extLst>
-          </p:cNvPr>
-          <p:cNvSpPr/>
-          <p:nvPr/>
-        </p:nvSpPr>
-        <p:spPr>
-          <a:xfrm>
-            <a:off x="674556" y="2098622"/>
-            <a:ext cx="6475753" cy="289597"/>
-          </a:xfrm>
-          <a:prstGeom prst="rect">
-            <a:avLst/>
-          </a:prstGeom>
-        </p:spPr>
-        <p:style>
-          <a:lnRef idx="2">
-            <a:schemeClr val="accent1">
-              <a:shade val="50000"/>
-            </a:schemeClr>
-          </a:lnRef>
-          <a:fillRef idx="1">
-            <a:schemeClr val="accent1"/>
-          </a:fillRef>
-          <a:effectRef idx="0">
-            <a:schemeClr val="accent1"/>
-          </a:effectRef>
-          <a:fontRef idx="minor">
-            <a:schemeClr val="lt1"/>
-          </a:fontRef>
-        </p:style>
-        <p:txBody>
-          <a:bodyPr rtlCol="0" anchor="ctr"/>
-          <a:lstStyle/>
-          <a:p>
-            <a:pPr algn="ctr"/>
-            <a:r>
-              <a:rPr lang="en-US" dirty="0"/>
-              <a:t>        y</a:t>
-            </a:r>
-          </a:p>
-        </p:txBody>
-      </p:sp>
+      <mc:AlternateContent xmlns:mc="http://schemas.openxmlformats.org/markup-compatibility/2006" xmlns:a14="http://schemas.microsoft.com/office/drawing/2010/main">
+        <mc:Choice Requires="a14">
+          <p:sp>
+            <p:nvSpPr>
+              <p:cNvPr id="21" name="Rectangle 20">
+                <a:extLst>
+                  <a:ext uri="{FF2B5EF4-FFF2-40B4-BE49-F238E27FC236}">
+                    <a16:creationId xmlns:a16="http://schemas.microsoft.com/office/drawing/2014/main" id="{F0C0A5B0-40F9-8D20-528D-5208416C010C}"/>
+                  </a:ext>
+                </a:extLst>
+              </p:cNvPr>
+              <p:cNvSpPr/>
+              <p:nvPr/>
+            </p:nvSpPr>
+            <p:spPr>
+              <a:xfrm>
+                <a:off x="674556" y="2098622"/>
+                <a:ext cx="6475753" cy="289597"/>
+              </a:xfrm>
+              <a:prstGeom prst="rect">
+                <a:avLst/>
+              </a:prstGeom>
+            </p:spPr>
+            <p:style>
+              <a:lnRef idx="2">
+                <a:schemeClr val="accent1">
+                  <a:shade val="50000"/>
+                </a:schemeClr>
+              </a:lnRef>
+              <a:fillRef idx="1">
+                <a:schemeClr val="accent1"/>
+              </a:fillRef>
+              <a:effectRef idx="0">
+                <a:schemeClr val="accent1"/>
+              </a:effectRef>
+              <a:fontRef idx="minor">
+                <a:schemeClr val="lt1"/>
+              </a:fontRef>
+            </p:style>
+            <p:txBody>
+              <a:bodyPr rtlCol="0" anchor="ctr"/>
+              <a:lstStyle/>
+              <a:p>
+                <a:pPr algn="ctr"/>
+                <a:r>
+                  <a:rPr lang="en-US" dirty="0"/>
+                  <a:t> </a:t>
+                </a:r>
+                <a14:m>
+                  <m:oMath xmlns:m="http://schemas.openxmlformats.org/officeDocument/2006/math">
+                    <m:r>
+                      <a:rPr lang="en-CA" i="1">
+                        <a:latin typeface="Cambria Math" panose="02040503050406030204" pitchFamily="18" charset="0"/>
+                      </a:rPr>
+                      <m:t>𝑦</m:t>
+                    </m:r>
+                  </m:oMath>
+                </a14:m>
+                <a:endParaRPr lang="en-US" dirty="0"/>
+              </a:p>
+            </p:txBody>
+          </p:sp>
+        </mc:Choice>
+        <mc:Fallback xmlns="">
+          <p:sp>
+            <p:nvSpPr>
+              <p:cNvPr id="21" name="Rectangle 20">
+                <a:extLst>
+                  <a:ext uri="{FF2B5EF4-FFF2-40B4-BE49-F238E27FC236}">
+                    <a16:creationId xmlns:a16="http://schemas.microsoft.com/office/drawing/2014/main" id="{F0C0A5B0-40F9-8D20-528D-5208416C010C}"/>
+                  </a:ext>
+                </a:extLst>
+              </p:cNvPr>
+              <p:cNvSpPr>
+                <a:spLocks noRot="1" noChangeAspect="1" noMove="1" noResize="1" noEditPoints="1" noAdjustHandles="1" noChangeArrowheads="1" noChangeShapeType="1" noTextEdit="1"/>
+              </p:cNvSpPr>
+              <p:nvPr/>
+            </p:nvSpPr>
+            <p:spPr>
+              <a:xfrm>
+                <a:off x="674556" y="2098622"/>
+                <a:ext cx="6475753" cy="289597"/>
+              </a:xfrm>
+              <a:prstGeom prst="rect">
+                <a:avLst/>
+              </a:prstGeom>
+              <a:blipFill>
+                <a:blip r:embed="rId2"/>
+                <a:stretch>
+                  <a:fillRect b="-20000"/>
+                </a:stretch>
+              </a:blipFill>
+            </p:spPr>
+            <p:txBody>
+              <a:bodyPr/>
+              <a:lstStyle/>
+              <a:p>
+                <a:r>
+                  <a:rPr lang="en-US">
+                    <a:noFill/>
+                  </a:rPr>
+                  <a:t> </a:t>
+                </a:r>
+              </a:p>
+            </p:txBody>
+          </p:sp>
+        </mc:Fallback>
+      </mc:AlternateContent>
       <p:sp>
         <p:nvSpPr>
           <p:cNvPr id="22" name="TextBox 21">
@@ -4472,55 +4531,114 @@
           </a:p>
         </p:txBody>
       </p:sp>
-      <p:sp>
-        <p:nvSpPr>
-          <p:cNvPr id="6" name="Rectangle 5">
-            <a:extLst>
-              <a:ext uri="{FF2B5EF4-FFF2-40B4-BE49-F238E27FC236}">
-                <a16:creationId xmlns:a16="http://schemas.microsoft.com/office/drawing/2014/main" id="{F500C8CF-93B4-DA61-B486-60CA5DCBA509}"/>
-              </a:ext>
-            </a:extLst>
-          </p:cNvPr>
-          <p:cNvSpPr/>
-          <p:nvPr/>
-        </p:nvSpPr>
-        <p:spPr>
-          <a:xfrm>
-            <a:off x="674556" y="4182784"/>
-            <a:ext cx="6475753" cy="289597"/>
-          </a:xfrm>
-          <a:prstGeom prst="rect">
-            <a:avLst/>
-          </a:prstGeom>
-        </p:spPr>
-        <p:style>
-          <a:lnRef idx="2">
-            <a:schemeClr val="accent1">
-              <a:shade val="50000"/>
-            </a:schemeClr>
-          </a:lnRef>
-          <a:fillRef idx="1">
-            <a:schemeClr val="accent1"/>
-          </a:fillRef>
-          <a:effectRef idx="0">
-            <a:schemeClr val="accent1"/>
-          </a:effectRef>
-          <a:fontRef idx="minor">
-            <a:schemeClr val="lt1"/>
-          </a:fontRef>
-        </p:style>
-        <p:txBody>
-          <a:bodyPr rtlCol="0" anchor="ctr"/>
-          <a:lstStyle/>
-          <a:p>
-            <a:pPr algn="ctr"/>
-            <a:r>
-              <a:rPr lang="en-US" dirty="0"/>
-              <a:t>        y</a:t>
-            </a:r>
-          </a:p>
-        </p:txBody>
-      </p:sp>
+      <mc:AlternateContent xmlns:mc="http://schemas.openxmlformats.org/markup-compatibility/2006" xmlns:a14="http://schemas.microsoft.com/office/drawing/2010/main">
+        <mc:Choice Requires="a14">
+          <p:sp>
+            <p:nvSpPr>
+              <p:cNvPr id="6" name="Rectangle 5">
+                <a:extLst>
+                  <a:ext uri="{FF2B5EF4-FFF2-40B4-BE49-F238E27FC236}">
+                    <a16:creationId xmlns:a16="http://schemas.microsoft.com/office/drawing/2014/main" id="{F500C8CF-93B4-DA61-B486-60CA5DCBA509}"/>
+                  </a:ext>
+                </a:extLst>
+              </p:cNvPr>
+              <p:cNvSpPr/>
+              <p:nvPr/>
+            </p:nvSpPr>
+            <p:spPr>
+              <a:xfrm>
+                <a:off x="674556" y="4182784"/>
+                <a:ext cx="6475753" cy="289597"/>
+              </a:xfrm>
+              <a:prstGeom prst="rect">
+                <a:avLst/>
+              </a:prstGeom>
+            </p:spPr>
+            <p:style>
+              <a:lnRef idx="2">
+                <a:schemeClr val="accent1">
+                  <a:shade val="50000"/>
+                </a:schemeClr>
+              </a:lnRef>
+              <a:fillRef idx="1">
+                <a:schemeClr val="accent1"/>
+              </a:fillRef>
+              <a:effectRef idx="0">
+                <a:schemeClr val="accent1"/>
+              </a:effectRef>
+              <a:fontRef idx="minor">
+                <a:schemeClr val="lt1"/>
+              </a:fontRef>
+            </p:style>
+            <p:txBody>
+              <a:bodyPr rtlCol="0" anchor="ctr"/>
+              <a:lstStyle/>
+              <a:p>
+                <a:pPr algn="ctr"/>
+                <a:r>
+                  <a:rPr lang="en-US" dirty="0"/>
+                  <a:t> </a:t>
+                </a:r>
+                <a14:m>
+                  <m:oMath xmlns:m="http://schemas.openxmlformats.org/officeDocument/2006/math">
+                    <m:r>
+                      <a:rPr lang="en-CA" i="1">
+                        <a:latin typeface="Cambria Math" panose="02040503050406030204" pitchFamily="18" charset="0"/>
+                      </a:rPr>
+                      <m:t>𝑦</m:t>
+                    </m:r>
+                  </m:oMath>
+                </a14:m>
+                <a:endParaRPr lang="en-US" dirty="0"/>
+              </a:p>
+            </p:txBody>
+          </p:sp>
+        </mc:Choice>
+        <mc:Fallback xmlns="">
+          <p:sp>
+            <p:nvSpPr>
+              <p:cNvPr id="6" name="Rectangle 5">
+                <a:extLst>
+                  <a:ext uri="{FF2B5EF4-FFF2-40B4-BE49-F238E27FC236}">
+                    <a16:creationId xmlns:a16="http://schemas.microsoft.com/office/drawing/2014/main" id="{F500C8CF-93B4-DA61-B486-60CA5DCBA509}"/>
+                  </a:ext>
+                </a:extLst>
+              </p:cNvPr>
+              <p:cNvSpPr>
+                <a:spLocks noRot="1" noChangeAspect="1" noMove="1" noResize="1" noEditPoints="1" noAdjustHandles="1" noChangeArrowheads="1" noChangeShapeType="1" noTextEdit="1"/>
+              </p:cNvSpPr>
+              <p:nvPr/>
+            </p:nvSpPr>
+            <p:spPr>
+              <a:xfrm>
+                <a:off x="674556" y="4182784"/>
+                <a:ext cx="6475753" cy="289597"/>
+              </a:xfrm>
+              <a:prstGeom prst="rect">
+                <a:avLst/>
+              </a:prstGeom>
+              <a:blipFill>
+                <a:blip r:embed="rId2"/>
+                <a:stretch>
+                  <a:fillRect b="-20000"/>
+                </a:stretch>
+              </a:blipFill>
+            </p:spPr>
+            <p:txBody>
+              <a:bodyPr/>
+              <a:lstStyle/>
+              <a:p>
+                <a:r>
+                  <a:rPr lang="en-US">
+                    <a:noFill/>
+                  </a:rPr>
+                  <a:t> </a:t>
+                </a:r>
+              </a:p>
+            </p:txBody>
+          </p:sp>
+        </mc:Fallback>
+      </mc:AlternateContent>
       <p:sp>
         <p:nvSpPr>
           <p:cNvPr id="7" name="TextBox 6">
@@ -4704,7 +4822,7 @@
                 <a:avLst/>
               </a:prstGeom>
               <a:blipFill>
-                <a:blip r:embed="rId2"/>
+                <a:blip r:embed="rId3"/>
                 <a:stretch>
                   <a:fillRect t="-8000" b="-20000"/>
                 </a:stretch>
@@ -4761,6 +4879,117 @@
           </a:p>
         </p:txBody>
       </p:sp>
+      <p:sp>
+        <p:nvSpPr>
+          <p:cNvPr id="3" name="TextBox 2">
+            <a:extLst>
+              <a:ext uri="{FF2B5EF4-FFF2-40B4-BE49-F238E27FC236}">
+                <a16:creationId xmlns:a16="http://schemas.microsoft.com/office/drawing/2014/main" id="{6E01AFB8-4410-1D64-686E-1AC2D4FB6532}"/>
+              </a:ext>
+            </a:extLst>
+          </p:cNvPr>
+          <p:cNvSpPr txBox="1"/>
+          <p:nvPr/>
+        </p:nvSpPr>
+        <p:spPr>
+          <a:xfrm>
+            <a:off x="5531372" y="2376398"/>
+            <a:ext cx="4434562" cy="1477328"/>
+          </a:xfrm>
+          <a:prstGeom prst="rect">
+            <a:avLst/>
+          </a:prstGeom>
+          <a:noFill/>
+          <a:ln>
+            <a:noFill/>
+          </a:ln>
+        </p:spPr>
+        <p:txBody>
+          <a:bodyPr wrap="square" rtlCol="0">
+            <a:spAutoFit/>
+          </a:bodyPr>
+          <a:lstStyle/>
+          <a:p>
+            <a:r>
+              <a:rPr lang="en-US" dirty="0"/>
+              <a:t>Model derivation can include multiple steps:</a:t>
+            </a:r>
+          </a:p>
+          <a:p>
+            <a:pPr marL="285750" indent="-285750">
+              <a:buFont typeface="Arial" panose="020B0604020202020204" pitchFamily="34" charset="0"/>
+              <a:buChar char="•"/>
+            </a:pPr>
+            <a:r>
+              <a:rPr lang="en-US" dirty="0"/>
+              <a:t>Differential expression</a:t>
+            </a:r>
+          </a:p>
+          <a:p>
+            <a:pPr marL="285750" indent="-285750">
+              <a:buFont typeface="Arial" panose="020B0604020202020204" pitchFamily="34" charset="0"/>
+              <a:buChar char="•"/>
+            </a:pPr>
+            <a:r>
+              <a:rPr lang="en-US" i="1" dirty="0"/>
+              <a:t>a priori </a:t>
+            </a:r>
+            <a:r>
+              <a:rPr lang="en-US" dirty="0"/>
+              <a:t>candidates</a:t>
+            </a:r>
+          </a:p>
+          <a:p>
+            <a:pPr marL="285750" indent="-285750">
+              <a:buFont typeface="Arial" panose="020B0604020202020204" pitchFamily="34" charset="0"/>
+              <a:buChar char="•"/>
+            </a:pPr>
+            <a:r>
+              <a:rPr lang="en-US" dirty="0"/>
+              <a:t>Machine learning algorithms</a:t>
+            </a:r>
+          </a:p>
+          <a:p>
+            <a:endParaRPr lang="en-US" dirty="0"/>
+          </a:p>
+        </p:txBody>
+      </p:sp>
+      <p:cxnSp>
+        <p:nvCxnSpPr>
+          <p:cNvPr id="16" name="Straight Connector 15">
+            <a:extLst>
+              <a:ext uri="{FF2B5EF4-FFF2-40B4-BE49-F238E27FC236}">
+                <a16:creationId xmlns:a16="http://schemas.microsoft.com/office/drawing/2014/main" id="{3E3124DE-340F-844C-D140-1BCCF792DB6B}"/>
+              </a:ext>
+            </a:extLst>
+          </p:cNvPr>
+          <p:cNvCxnSpPr/>
+          <p:nvPr/>
+        </p:nvCxnSpPr>
+        <p:spPr>
+          <a:xfrm flipH="1" flipV="1">
+            <a:off x="3934918" y="3111289"/>
+            <a:ext cx="1596454" cy="3773"/>
+          </a:xfrm>
+          <a:prstGeom prst="line">
+            <a:avLst/>
+          </a:prstGeom>
+        </p:spPr>
+        <p:style>
+          <a:lnRef idx="1">
+            <a:schemeClr val="accent1"/>
+          </a:lnRef>
+          <a:fillRef idx="0">
+            <a:schemeClr val="accent1"/>
+          </a:fillRef>
+          <a:effectRef idx="0">
+            <a:schemeClr val="accent1"/>
+          </a:effectRef>
+          <a:fontRef idx="minor">
+            <a:schemeClr val="tx1"/>
+          </a:fontRef>
+        </p:style>
+      </p:cxnSp>
     </p:spTree>
     <p:extLst>
       <p:ext uri="{BB962C8B-B14F-4D97-AF65-F5344CB8AC3E}">
@@ -5335,55 +5564,114 @@
           </a:p>
         </p:txBody>
       </p:sp>
-      <p:sp>
-        <p:nvSpPr>
-          <p:cNvPr id="6" name="Rectangle 5">
-            <a:extLst>
-              <a:ext uri="{FF2B5EF4-FFF2-40B4-BE49-F238E27FC236}">
-                <a16:creationId xmlns:a16="http://schemas.microsoft.com/office/drawing/2014/main" id="{F500C8CF-93B4-DA61-B486-60CA5DCBA509}"/>
-              </a:ext>
-            </a:extLst>
-          </p:cNvPr>
-          <p:cNvSpPr/>
-          <p:nvPr/>
-        </p:nvSpPr>
-        <p:spPr>
-          <a:xfrm>
-            <a:off x="674556" y="4182784"/>
-            <a:ext cx="6475753" cy="289597"/>
-          </a:xfrm>
-          <a:prstGeom prst="rect">
-            <a:avLst/>
-          </a:prstGeom>
-        </p:spPr>
-        <p:style>
-          <a:lnRef idx="2">
-            <a:schemeClr val="accent1">
-              <a:shade val="50000"/>
-            </a:schemeClr>
-          </a:lnRef>
-          <a:fillRef idx="1">
-            <a:schemeClr val="accent1"/>
-          </a:fillRef>
-          <a:effectRef idx="0">
-            <a:schemeClr val="accent1"/>
-          </a:effectRef>
-          <a:fontRef idx="minor">
-            <a:schemeClr val="lt1"/>
-          </a:fontRef>
-        </p:style>
-        <p:txBody>
-          <a:bodyPr rtlCol="0" anchor="ctr"/>
-          <a:lstStyle/>
-          <a:p>
-            <a:pPr algn="ctr"/>
-            <a:r>
-              <a:rPr lang="en-US" dirty="0"/>
-              <a:t>        y</a:t>
-            </a:r>
-          </a:p>
-        </p:txBody>
-      </p:sp>
+      <mc:AlternateContent xmlns:mc="http://schemas.openxmlformats.org/markup-compatibility/2006" xmlns:a14="http://schemas.microsoft.com/office/drawing/2010/main">
+        <mc:Choice Requires="a14">
+          <p:sp>
+            <p:nvSpPr>
+              <p:cNvPr id="6" name="Rectangle 5">
+                <a:extLst>
+                  <a:ext uri="{FF2B5EF4-FFF2-40B4-BE49-F238E27FC236}">
+                    <a16:creationId xmlns:a16="http://schemas.microsoft.com/office/drawing/2014/main" id="{F500C8CF-93B4-DA61-B486-60CA5DCBA509}"/>
+                  </a:ext>
+                </a:extLst>
+              </p:cNvPr>
+              <p:cNvSpPr/>
+              <p:nvPr/>
+            </p:nvSpPr>
+            <p:spPr>
+              <a:xfrm>
+                <a:off x="674556" y="4182784"/>
+                <a:ext cx="6475753" cy="289597"/>
+              </a:xfrm>
+              <a:prstGeom prst="rect">
+                <a:avLst/>
+              </a:prstGeom>
+            </p:spPr>
+            <p:style>
+              <a:lnRef idx="2">
+                <a:schemeClr val="accent1">
+                  <a:shade val="50000"/>
+                </a:schemeClr>
+              </a:lnRef>
+              <a:fillRef idx="1">
+                <a:schemeClr val="accent1"/>
+              </a:fillRef>
+              <a:effectRef idx="0">
+                <a:schemeClr val="accent1"/>
+              </a:effectRef>
+              <a:fontRef idx="minor">
+                <a:schemeClr val="lt1"/>
+              </a:fontRef>
+            </p:style>
+            <p:txBody>
+              <a:bodyPr rtlCol="0" anchor="ctr"/>
+              <a:lstStyle/>
+              <a:p>
+                <a:pPr algn="ctr"/>
+                <a:r>
+                  <a:rPr lang="en-US" dirty="0"/>
+                  <a:t> </a:t>
+                </a:r>
+                <a14:m>
+                  <m:oMath xmlns:m="http://schemas.openxmlformats.org/officeDocument/2006/math">
+                    <m:r>
+                      <a:rPr lang="en-CA" i="1">
+                        <a:latin typeface="Cambria Math" panose="02040503050406030204" pitchFamily="18" charset="0"/>
+                      </a:rPr>
+                      <m:t>𝑦</m:t>
+                    </m:r>
+                  </m:oMath>
+                </a14:m>
+                <a:endParaRPr lang="en-US" dirty="0"/>
+              </a:p>
+            </p:txBody>
+          </p:sp>
+        </mc:Choice>
+        <mc:Fallback xmlns="">
+          <p:sp>
+            <p:nvSpPr>
+              <p:cNvPr id="6" name="Rectangle 5">
+                <a:extLst>
+                  <a:ext uri="{FF2B5EF4-FFF2-40B4-BE49-F238E27FC236}">
+                    <a16:creationId xmlns:a16="http://schemas.microsoft.com/office/drawing/2014/main" id="{F500C8CF-93B4-DA61-B486-60CA5DCBA509}"/>
+                  </a:ext>
+                </a:extLst>
+              </p:cNvPr>
+              <p:cNvSpPr>
+                <a:spLocks noRot="1" noChangeAspect="1" noMove="1" noResize="1" noEditPoints="1" noAdjustHandles="1" noChangeArrowheads="1" noChangeShapeType="1" noTextEdit="1"/>
+              </p:cNvSpPr>
+              <p:nvPr/>
+            </p:nvSpPr>
+            <p:spPr>
+              <a:xfrm>
+                <a:off x="674556" y="4182784"/>
+                <a:ext cx="6475753" cy="289597"/>
+              </a:xfrm>
+              <a:prstGeom prst="rect">
+                <a:avLst/>
+              </a:prstGeom>
+              <a:blipFill>
+                <a:blip r:embed="rId2"/>
+                <a:stretch>
+                  <a:fillRect b="-20000"/>
+                </a:stretch>
+              </a:blipFill>
+            </p:spPr>
+            <p:txBody>
+              <a:bodyPr/>
+              <a:lstStyle/>
+              <a:p>
+                <a:r>
+                  <a:rPr lang="en-US">
+                    <a:noFill/>
+                  </a:rPr>
+                  <a:t> </a:t>
+                </a:r>
+              </a:p>
+            </p:txBody>
+          </p:sp>
+        </mc:Fallback>
+      </mc:AlternateContent>
       <p:sp>
         <p:nvSpPr>
           <p:cNvPr id="7" name="TextBox 6">
@@ -5513,31 +5801,32 @@
               <a:lstStyle/>
               <a:p>
                 <a:pPr algn="ctr"/>
-                <a:r>
-                  <a:rPr lang="en-US" dirty="0"/>
-                  <a:t>        </a:t>
-                </a:r>
                 <a14:m>
-                  <m:oMath xmlns:m="http://schemas.openxmlformats.org/officeDocument/2006/math">
-                    <m:acc>
-                      <m:accPr>
-                        <m:chr m:val="̂"/>
-                        <m:ctrlPr>
-                          <a:rPr lang="en-US" i="1" dirty="0" smtClean="0">
-                            <a:latin typeface="Cambria Math" panose="02040503050406030204" pitchFamily="18" charset="0"/>
-                          </a:rPr>
-                        </m:ctrlPr>
-                      </m:accPr>
-                      <m:e>
-                        <m:r>
-                          <a:rPr lang="en-CA" b="0" i="1" dirty="0" smtClean="0">
-                            <a:latin typeface="Cambria Math" panose="02040503050406030204" pitchFamily="18" charset="0"/>
-                          </a:rPr>
-                          <m:t>𝑦</m:t>
-                        </m:r>
-                      </m:e>
-                    </m:acc>
-                  </m:oMath>
+                  <m:oMathPara xmlns:m="http://schemas.openxmlformats.org/officeDocument/2006/math">
+                    <m:oMathParaPr>
+                      <m:jc m:val="centerGroup"/>
+                    </m:oMathParaPr>
+                    <m:oMath xmlns:m="http://schemas.openxmlformats.org/officeDocument/2006/math">
+                      <m:acc>
+                        <m:accPr>
+                          <m:chr m:val="̂"/>
+                          <m:ctrlPr>
+                            <a:rPr lang="en-US" i="1" dirty="0">
+                              <a:latin typeface="Cambria Math" panose="02040503050406030204" pitchFamily="18" charset="0"/>
+                            </a:rPr>
+                          </m:ctrlPr>
+                        </m:accPr>
+                        <m:e>
+                          <m:r>
+                            <a:rPr lang="en-CA" i="1" dirty="0">
+                              <a:latin typeface="Cambria Math" panose="02040503050406030204" pitchFamily="18" charset="0"/>
+                            </a:rPr>
+                            <m:t>𝑦</m:t>
+                          </m:r>
+                        </m:e>
+                      </m:acc>
+                    </m:oMath>
+                  </m:oMathPara>
                 </a14:m>
                 <a:endParaRPr lang="en-US" dirty="0"/>
               </a:p>
@@ -5568,7 +5857,7 @@
                 <a:avLst/>
               </a:prstGeom>
               <a:blipFill>
-                <a:blip r:embed="rId2"/>
+                <a:blip r:embed="rId3"/>
                 <a:stretch>
                   <a:fillRect t="-8000" b="-20000"/>
                 </a:stretch>
@@ -5705,6 +5994,162 @@
           </a:p>
         </p:txBody>
       </p:sp>
+      <p:sp>
+        <p:nvSpPr>
+          <p:cNvPr id="3" name="TextBox 2">
+            <a:extLst>
+              <a:ext uri="{FF2B5EF4-FFF2-40B4-BE49-F238E27FC236}">
+                <a16:creationId xmlns:a16="http://schemas.microsoft.com/office/drawing/2014/main" id="{37EAD0F5-7EE7-4B3F-C0BA-8E18B8A03FB2}"/>
+              </a:ext>
+            </a:extLst>
+          </p:cNvPr>
+          <p:cNvSpPr txBox="1"/>
+          <p:nvPr/>
+        </p:nvSpPr>
+        <p:spPr>
+          <a:xfrm>
+            <a:off x="5531372" y="2376398"/>
+            <a:ext cx="4434562" cy="1477328"/>
+          </a:xfrm>
+          <a:prstGeom prst="rect">
+            <a:avLst/>
+          </a:prstGeom>
+          <a:noFill/>
+          <a:ln>
+            <a:noFill/>
+          </a:ln>
+        </p:spPr>
+        <p:txBody>
+          <a:bodyPr wrap="square" rtlCol="0">
+            <a:spAutoFit/>
+          </a:bodyPr>
+          <a:lstStyle/>
+          <a:p>
+            <a:r>
+              <a:rPr lang="en-US" dirty="0"/>
+              <a:t>Model derivation can include multiple steps:</a:t>
+            </a:r>
+          </a:p>
+          <a:p>
+            <a:pPr marL="285750" indent="-285750">
+              <a:buFont typeface="Arial" panose="020B0604020202020204" pitchFamily="34" charset="0"/>
+              <a:buChar char="•"/>
+            </a:pPr>
+            <a:r>
+              <a:rPr lang="en-US" dirty="0"/>
+              <a:t>Differential expression</a:t>
+            </a:r>
+          </a:p>
+          <a:p>
+            <a:pPr marL="285750" indent="-285750">
+              <a:buFont typeface="Arial" panose="020B0604020202020204" pitchFamily="34" charset="0"/>
+              <a:buChar char="•"/>
+            </a:pPr>
+            <a:r>
+              <a:rPr lang="en-US" i="1" dirty="0"/>
+              <a:t>a priori </a:t>
+            </a:r>
+            <a:r>
+              <a:rPr lang="en-US" dirty="0"/>
+              <a:t>candidates</a:t>
+            </a:r>
+          </a:p>
+          <a:p>
+            <a:pPr marL="285750" indent="-285750">
+              <a:buFont typeface="Arial" panose="020B0604020202020204" pitchFamily="34" charset="0"/>
+              <a:buChar char="•"/>
+            </a:pPr>
+            <a:r>
+              <a:rPr lang="en-US" dirty="0"/>
+              <a:t>Machine learning algorithms</a:t>
+            </a:r>
+          </a:p>
+          <a:p>
+            <a:endParaRPr lang="en-US" dirty="0"/>
+          </a:p>
+        </p:txBody>
+      </p:sp>
+      <p:cxnSp>
+        <p:nvCxnSpPr>
+          <p:cNvPr id="21" name="Straight Connector 20">
+            <a:extLst>
+              <a:ext uri="{FF2B5EF4-FFF2-40B4-BE49-F238E27FC236}">
+                <a16:creationId xmlns:a16="http://schemas.microsoft.com/office/drawing/2014/main" id="{003A06AA-D972-966A-C9B9-D9116CD12CAD}"/>
+              </a:ext>
+            </a:extLst>
+          </p:cNvPr>
+          <p:cNvCxnSpPr/>
+          <p:nvPr/>
+        </p:nvCxnSpPr>
+        <p:spPr>
+          <a:xfrm flipH="1" flipV="1">
+            <a:off x="3934918" y="3111289"/>
+            <a:ext cx="1596454" cy="3773"/>
+          </a:xfrm>
+          <a:prstGeom prst="line">
+            <a:avLst/>
+          </a:prstGeom>
+        </p:spPr>
+        <p:style>
+          <a:lnRef idx="1">
+            <a:schemeClr val="accent1"/>
+          </a:lnRef>
+          <a:fillRef idx="0">
+            <a:schemeClr val="accent1"/>
+          </a:fillRef>
+          <a:effectRef idx="0">
+            <a:schemeClr val="accent1"/>
+          </a:effectRef>
+          <a:fontRef idx="minor">
+            <a:schemeClr val="tx1"/>
+          </a:fontRef>
+        </p:style>
+      </p:cxnSp>
+      <p:cxnSp>
+        <p:nvCxnSpPr>
+          <p:cNvPr id="22" name="Elbow Connector 21">
+            <a:extLst>
+              <a:ext uri="{FF2B5EF4-FFF2-40B4-BE49-F238E27FC236}">
+                <a16:creationId xmlns:a16="http://schemas.microsoft.com/office/drawing/2014/main" id="{B8A3C1D1-2B2E-7DFE-D2FE-E855216EE696}"/>
+              </a:ext>
+            </a:extLst>
+          </p:cNvPr>
+          <p:cNvCxnSpPr>
+            <a:stCxn id="5" idx="2"/>
+            <a:endCxn id="8" idx="1"/>
+          </p:cNvCxnSpPr>
+          <p:nvPr/>
+        </p:nvCxnSpPr>
+        <p:spPr>
+          <a:xfrm rot="5400000">
+            <a:off x="1644463" y="2456175"/>
+            <a:ext cx="428635" cy="2368448"/>
+          </a:xfrm>
+          <a:prstGeom prst="bentConnector4">
+            <a:avLst>
+              <a:gd name="adj1" fmla="val 33109"/>
+              <a:gd name="adj2" fmla="val 109652"/>
+            </a:avLst>
+          </a:prstGeom>
+          <a:ln>
+            <a:tailEnd type="triangle"/>
+          </a:ln>
+        </p:spPr>
+        <p:style>
+          <a:lnRef idx="1">
+            <a:schemeClr val="accent1"/>
+          </a:lnRef>
+          <a:fillRef idx="0">
+            <a:schemeClr val="accent1"/>
+          </a:fillRef>
+          <a:effectRef idx="0">
+            <a:schemeClr val="accent1"/>
+          </a:effectRef>
+          <a:fontRef idx="minor">
+            <a:schemeClr val="tx1"/>
+          </a:fontRef>
+        </p:style>
+      </p:cxnSp>
     </p:spTree>
     <p:extLst>
       <p:ext uri="{BB962C8B-B14F-4D97-AF65-F5344CB8AC3E}">
@@ -6330,55 +6775,114 @@
           </a:p>
         </p:txBody>
       </p:sp>
-      <p:sp>
-        <p:nvSpPr>
-          <p:cNvPr id="5" name="Rectangle 4">
-            <a:extLst>
-              <a:ext uri="{FF2B5EF4-FFF2-40B4-BE49-F238E27FC236}">
-                <a16:creationId xmlns:a16="http://schemas.microsoft.com/office/drawing/2014/main" id="{977FC098-1BEB-E8E0-C5C4-8285281B247B}"/>
-              </a:ext>
-            </a:extLst>
-          </p:cNvPr>
-          <p:cNvSpPr/>
-          <p:nvPr/>
-        </p:nvSpPr>
-        <p:spPr>
-          <a:xfrm>
-            <a:off x="674556" y="2745385"/>
-            <a:ext cx="6475753" cy="289597"/>
-          </a:xfrm>
-          <a:prstGeom prst="rect">
-            <a:avLst/>
-          </a:prstGeom>
-        </p:spPr>
-        <p:style>
-          <a:lnRef idx="2">
-            <a:schemeClr val="accent1">
-              <a:shade val="50000"/>
-            </a:schemeClr>
-          </a:lnRef>
-          <a:fillRef idx="1">
-            <a:schemeClr val="accent1"/>
-          </a:fillRef>
-          <a:effectRef idx="0">
-            <a:schemeClr val="accent1"/>
-          </a:effectRef>
-          <a:fontRef idx="minor">
-            <a:schemeClr val="lt1"/>
-          </a:fontRef>
-        </p:style>
-        <p:txBody>
-          <a:bodyPr rtlCol="0" anchor="ctr"/>
-          <a:lstStyle/>
-          <a:p>
-            <a:pPr algn="ctr"/>
-            <a:r>
-              <a:rPr lang="en-US" dirty="0"/>
-              <a:t>        y</a:t>
-            </a:r>
-          </a:p>
-        </p:txBody>
-      </p:sp>
+      <mc:AlternateContent xmlns:mc="http://schemas.openxmlformats.org/markup-compatibility/2006" xmlns:a14="http://schemas.microsoft.com/office/drawing/2010/main">
+        <mc:Choice Requires="a14">
+          <p:sp>
+            <p:nvSpPr>
+              <p:cNvPr id="5" name="Rectangle 4">
+                <a:extLst>
+                  <a:ext uri="{FF2B5EF4-FFF2-40B4-BE49-F238E27FC236}">
+                    <a16:creationId xmlns:a16="http://schemas.microsoft.com/office/drawing/2014/main" id="{977FC098-1BEB-E8E0-C5C4-8285281B247B}"/>
+                  </a:ext>
+                </a:extLst>
+              </p:cNvPr>
+              <p:cNvSpPr/>
+              <p:nvPr/>
+            </p:nvSpPr>
+            <p:spPr>
+              <a:xfrm>
+                <a:off x="674556" y="2745385"/>
+                <a:ext cx="6475753" cy="289597"/>
+              </a:xfrm>
+              <a:prstGeom prst="rect">
+                <a:avLst/>
+              </a:prstGeom>
+            </p:spPr>
+            <p:style>
+              <a:lnRef idx="2">
+                <a:schemeClr val="accent1">
+                  <a:shade val="50000"/>
+                </a:schemeClr>
+              </a:lnRef>
+              <a:fillRef idx="1">
+                <a:schemeClr val="accent1"/>
+              </a:fillRef>
+              <a:effectRef idx="0">
+                <a:schemeClr val="accent1"/>
+              </a:effectRef>
+              <a:fontRef idx="minor">
+                <a:schemeClr val="lt1"/>
+              </a:fontRef>
+            </p:style>
+            <p:txBody>
+              <a:bodyPr rtlCol="0" anchor="ctr"/>
+              <a:lstStyle/>
+              <a:p>
+                <a:pPr algn="ctr"/>
+                <a:r>
+                  <a:rPr lang="en-US" dirty="0"/>
+                  <a:t> </a:t>
+                </a:r>
+                <a14:m>
+                  <m:oMath xmlns:m="http://schemas.openxmlformats.org/officeDocument/2006/math">
+                    <m:r>
+                      <a:rPr lang="en-CA" i="1">
+                        <a:latin typeface="Cambria Math" panose="02040503050406030204" pitchFamily="18" charset="0"/>
+                      </a:rPr>
+                      <m:t>𝑦</m:t>
+                    </m:r>
+                  </m:oMath>
+                </a14:m>
+                <a:endParaRPr lang="en-US" dirty="0"/>
+              </a:p>
+            </p:txBody>
+          </p:sp>
+        </mc:Choice>
+        <mc:Fallback xmlns="">
+          <p:sp>
+            <p:nvSpPr>
+              <p:cNvPr id="5" name="Rectangle 4">
+                <a:extLst>
+                  <a:ext uri="{FF2B5EF4-FFF2-40B4-BE49-F238E27FC236}">
+                    <a16:creationId xmlns:a16="http://schemas.microsoft.com/office/drawing/2014/main" id="{977FC098-1BEB-E8E0-C5C4-8285281B247B}"/>
+                  </a:ext>
+                </a:extLst>
+              </p:cNvPr>
+              <p:cNvSpPr>
+                <a:spLocks noRot="1" noChangeAspect="1" noMove="1" noResize="1" noEditPoints="1" noAdjustHandles="1" noChangeArrowheads="1" noChangeShapeType="1" noTextEdit="1"/>
+              </p:cNvSpPr>
+              <p:nvPr/>
+            </p:nvSpPr>
+            <p:spPr>
+              <a:xfrm>
+                <a:off x="674556" y="2745385"/>
+                <a:ext cx="6475753" cy="289597"/>
+              </a:xfrm>
+              <a:prstGeom prst="rect">
+                <a:avLst/>
+              </a:prstGeom>
+              <a:blipFill>
+                <a:blip r:embed="rId2"/>
+                <a:stretch>
+                  <a:fillRect b="-20000"/>
+                </a:stretch>
+              </a:blipFill>
+            </p:spPr>
+            <p:txBody>
+              <a:bodyPr/>
+              <a:lstStyle/>
+              <a:p>
+                <a:r>
+                  <a:rPr lang="en-US">
+                    <a:noFill/>
+                  </a:rPr>
+                  <a:t> </a:t>
+                </a:r>
+              </a:p>
+            </p:txBody>
+          </p:sp>
+        </mc:Fallback>
+      </mc:AlternateContent>
       <p:sp>
         <p:nvSpPr>
           <p:cNvPr id="6" name="TextBox 5">
@@ -7028,55 +7532,114 @@
           </a:p>
         </p:txBody>
       </p:sp>
-      <p:sp>
-        <p:nvSpPr>
-          <p:cNvPr id="5" name="Rectangle 4">
-            <a:extLst>
-              <a:ext uri="{FF2B5EF4-FFF2-40B4-BE49-F238E27FC236}">
-                <a16:creationId xmlns:a16="http://schemas.microsoft.com/office/drawing/2014/main" id="{6E10825E-FD89-045E-4CCF-ADB9E8C49CA5}"/>
-              </a:ext>
-            </a:extLst>
-          </p:cNvPr>
-          <p:cNvSpPr/>
-          <p:nvPr/>
-        </p:nvSpPr>
-        <p:spPr>
-          <a:xfrm>
-            <a:off x="674556" y="2840744"/>
-            <a:ext cx="6475753" cy="289597"/>
-          </a:xfrm>
-          <a:prstGeom prst="rect">
-            <a:avLst/>
-          </a:prstGeom>
-        </p:spPr>
-        <p:style>
-          <a:lnRef idx="2">
-            <a:schemeClr val="accent1">
-              <a:shade val="50000"/>
-            </a:schemeClr>
-          </a:lnRef>
-          <a:fillRef idx="1">
-            <a:schemeClr val="accent1"/>
-          </a:fillRef>
-          <a:effectRef idx="0">
-            <a:schemeClr val="accent1"/>
-          </a:effectRef>
-          <a:fontRef idx="minor">
-            <a:schemeClr val="lt1"/>
-          </a:fontRef>
-        </p:style>
-        <p:txBody>
-          <a:bodyPr rtlCol="0" anchor="ctr"/>
-          <a:lstStyle/>
-          <a:p>
-            <a:pPr algn="ctr"/>
-            <a:r>
-              <a:rPr lang="en-US" dirty="0"/>
-              <a:t>        y</a:t>
-            </a:r>
-          </a:p>
-        </p:txBody>
-      </p:sp>
+      <mc:AlternateContent xmlns:mc="http://schemas.openxmlformats.org/markup-compatibility/2006" xmlns:a14="http://schemas.microsoft.com/office/drawing/2010/main">
+        <mc:Choice Requires="a14">
+          <p:sp>
+            <p:nvSpPr>
+              <p:cNvPr id="5" name="Rectangle 4">
+                <a:extLst>
+                  <a:ext uri="{FF2B5EF4-FFF2-40B4-BE49-F238E27FC236}">
+                    <a16:creationId xmlns:a16="http://schemas.microsoft.com/office/drawing/2014/main" id="{6E10825E-FD89-045E-4CCF-ADB9E8C49CA5}"/>
+                  </a:ext>
+                </a:extLst>
+              </p:cNvPr>
+              <p:cNvSpPr/>
+              <p:nvPr/>
+            </p:nvSpPr>
+            <p:spPr>
+              <a:xfrm>
+                <a:off x="674556" y="2840744"/>
+                <a:ext cx="6475753" cy="289597"/>
+              </a:xfrm>
+              <a:prstGeom prst="rect">
+                <a:avLst/>
+              </a:prstGeom>
+            </p:spPr>
+            <p:style>
+              <a:lnRef idx="2">
+                <a:schemeClr val="accent1">
+                  <a:shade val="50000"/>
+                </a:schemeClr>
+              </a:lnRef>
+              <a:fillRef idx="1">
+                <a:schemeClr val="accent1"/>
+              </a:fillRef>
+              <a:effectRef idx="0">
+                <a:schemeClr val="accent1"/>
+              </a:effectRef>
+              <a:fontRef idx="minor">
+                <a:schemeClr val="lt1"/>
+              </a:fontRef>
+            </p:style>
+            <p:txBody>
+              <a:bodyPr rtlCol="0" anchor="ctr"/>
+              <a:lstStyle/>
+              <a:p>
+                <a:pPr algn="ctr"/>
+                <a:r>
+                  <a:rPr lang="en-US" dirty="0"/>
+                  <a:t> </a:t>
+                </a:r>
+                <a14:m>
+                  <m:oMath xmlns:m="http://schemas.openxmlformats.org/officeDocument/2006/math">
+                    <m:r>
+                      <a:rPr lang="en-CA" i="1">
+                        <a:latin typeface="Cambria Math" panose="02040503050406030204" pitchFamily="18" charset="0"/>
+                      </a:rPr>
+                      <m:t>𝑦</m:t>
+                    </m:r>
+                  </m:oMath>
+                </a14:m>
+                <a:endParaRPr lang="en-US" dirty="0"/>
+              </a:p>
+            </p:txBody>
+          </p:sp>
+        </mc:Choice>
+        <mc:Fallback xmlns="">
+          <p:sp>
+            <p:nvSpPr>
+              <p:cNvPr id="5" name="Rectangle 4">
+                <a:extLst>
+                  <a:ext uri="{FF2B5EF4-FFF2-40B4-BE49-F238E27FC236}">
+                    <a16:creationId xmlns:a16="http://schemas.microsoft.com/office/drawing/2014/main" id="{6E10825E-FD89-045E-4CCF-ADB9E8C49CA5}"/>
+                  </a:ext>
+                </a:extLst>
+              </p:cNvPr>
+              <p:cNvSpPr>
+                <a:spLocks noRot="1" noChangeAspect="1" noMove="1" noResize="1" noEditPoints="1" noAdjustHandles="1" noChangeArrowheads="1" noChangeShapeType="1" noTextEdit="1"/>
+              </p:cNvSpPr>
+              <p:nvPr/>
+            </p:nvSpPr>
+            <p:spPr>
+              <a:xfrm>
+                <a:off x="674556" y="2840744"/>
+                <a:ext cx="6475753" cy="289597"/>
+              </a:xfrm>
+              <a:prstGeom prst="rect">
+                <a:avLst/>
+              </a:prstGeom>
+              <a:blipFill>
+                <a:blip r:embed="rId2"/>
+                <a:stretch>
+                  <a:fillRect b="-20000"/>
+                </a:stretch>
+              </a:blipFill>
+            </p:spPr>
+            <p:txBody>
+              <a:bodyPr/>
+              <a:lstStyle/>
+              <a:p>
+                <a:r>
+                  <a:rPr lang="en-US">
+                    <a:noFill/>
+                  </a:rPr>
+                  <a:t> </a:t>
+                </a:r>
+              </a:p>
+            </p:txBody>
+          </p:sp>
+        </mc:Fallback>
+      </mc:AlternateContent>
       <p:sp>
         <p:nvSpPr>
           <p:cNvPr id="6" name="TextBox 5">
@@ -7622,806 +8185,6 @@
             <a:r>
               <a:rPr lang="en-US" dirty="0"/>
               <a:t>Train model</a:t>
-            </a:r>
-          </a:p>
-        </p:txBody>
-      </p:sp>
-      <p:sp>
-        <p:nvSpPr>
-          <p:cNvPr id="3" name="Right Brace 2">
-            <a:extLst>
-              <a:ext uri="{FF2B5EF4-FFF2-40B4-BE49-F238E27FC236}">
-                <a16:creationId xmlns:a16="http://schemas.microsoft.com/office/drawing/2014/main" id="{C4AFD17E-C240-38EE-6B25-E882AC75F95A}"/>
-              </a:ext>
-            </a:extLst>
-          </p:cNvPr>
-          <p:cNvSpPr/>
-          <p:nvPr/>
-        </p:nvSpPr>
-        <p:spPr>
-          <a:xfrm rot="5400000">
-            <a:off x="1304142" y="1171734"/>
-            <a:ext cx="359767" cy="1618937"/>
-          </a:xfrm>
-          <a:prstGeom prst="rightBrace">
-            <a:avLst>
-              <a:gd name="adj1" fmla="val 8333"/>
-              <a:gd name="adj2" fmla="val 49289"/>
-            </a:avLst>
-          </a:prstGeom>
-          <a:ln w="38100">
-            <a:solidFill>
-              <a:schemeClr val="tx1"/>
-            </a:solidFill>
-          </a:ln>
-        </p:spPr>
-        <p:style>
-          <a:lnRef idx="1">
-            <a:schemeClr val="accent1"/>
-          </a:lnRef>
-          <a:fillRef idx="0">
-            <a:schemeClr val="accent1"/>
-          </a:fillRef>
-          <a:effectRef idx="0">
-            <a:schemeClr val="accent1"/>
-          </a:effectRef>
-          <a:fontRef idx="minor">
-            <a:schemeClr val="tx1"/>
-          </a:fontRef>
-        </p:style>
-        <p:txBody>
-          <a:bodyPr rtlCol="0" anchor="ctr"/>
-          <a:lstStyle/>
-          <a:p>
-            <a:pPr algn="ctr"/>
-            <a:endParaRPr lang="en-US">
-              <a:ln w="0"/>
-              <a:effectLst>
-                <a:outerShdw blurRad="38100" dist="19050" dir="2700000" algn="tl" rotWithShape="0">
-                  <a:schemeClr val="dk1">
-                    <a:alpha val="40000"/>
-                  </a:schemeClr>
-                </a:outerShdw>
-              </a:effectLst>
-            </a:endParaRPr>
-          </a:p>
-        </p:txBody>
-      </p:sp>
-      <p:sp>
-        <p:nvSpPr>
-          <p:cNvPr id="4" name="TextBox 3">
-            <a:extLst>
-              <a:ext uri="{FF2B5EF4-FFF2-40B4-BE49-F238E27FC236}">
-                <a16:creationId xmlns:a16="http://schemas.microsoft.com/office/drawing/2014/main" id="{51E8C31B-7C4B-AE59-4091-5A267869D449}"/>
-              </a:ext>
-            </a:extLst>
-          </p:cNvPr>
-          <p:cNvSpPr txBox="1"/>
-          <p:nvPr/>
-        </p:nvSpPr>
-        <p:spPr>
-          <a:xfrm>
-            <a:off x="871928" y="2161086"/>
-            <a:ext cx="3477718" cy="369332"/>
-          </a:xfrm>
-          <a:prstGeom prst="rect">
-            <a:avLst/>
-          </a:prstGeom>
-          <a:noFill/>
-        </p:spPr>
-        <p:txBody>
-          <a:bodyPr wrap="square" rtlCol="0">
-            <a:spAutoFit/>
-          </a:bodyPr>
-          <a:lstStyle/>
-          <a:p>
-            <a:r>
-              <a:rPr lang="en-US" i="1" dirty="0"/>
-              <a:t>N/4</a:t>
-            </a:r>
-            <a:r>
-              <a:rPr lang="en-US" dirty="0"/>
-              <a:t> observations</a:t>
-            </a:r>
-          </a:p>
-        </p:txBody>
-      </p:sp>
-      <p:sp>
-        <p:nvSpPr>
-          <p:cNvPr id="5" name="Rounded Rectangle 4">
-            <a:extLst>
-              <a:ext uri="{FF2B5EF4-FFF2-40B4-BE49-F238E27FC236}">
-                <a16:creationId xmlns:a16="http://schemas.microsoft.com/office/drawing/2014/main" id="{FA04D9E1-BD42-F030-D616-4D38E3F01AC7}"/>
-              </a:ext>
-            </a:extLst>
-          </p:cNvPr>
-          <p:cNvSpPr/>
-          <p:nvPr/>
-        </p:nvSpPr>
-        <p:spPr>
-          <a:xfrm>
-            <a:off x="2151089" y="2796496"/>
-            <a:ext cx="1783829" cy="629586"/>
-          </a:xfrm>
-          <a:prstGeom prst="roundRect">
-            <a:avLst/>
-          </a:prstGeom>
-          <a:solidFill>
-            <a:schemeClr val="accent2">
-              <a:lumMod val="60000"/>
-              <a:lumOff val="40000"/>
-            </a:schemeClr>
-          </a:solidFill>
-          <a:ln>
-            <a:solidFill>
-              <a:schemeClr val="accent2">
-                <a:lumMod val="60000"/>
-                <a:lumOff val="40000"/>
-              </a:schemeClr>
-            </a:solidFill>
-          </a:ln>
-        </p:spPr>
-        <p:style>
-          <a:lnRef idx="2">
-            <a:schemeClr val="accent1">
-              <a:shade val="50000"/>
-            </a:schemeClr>
-          </a:lnRef>
-          <a:fillRef idx="1">
-            <a:schemeClr val="accent1"/>
-          </a:fillRef>
-          <a:effectRef idx="0">
-            <a:schemeClr val="accent1"/>
-          </a:effectRef>
-          <a:fontRef idx="minor">
-            <a:schemeClr val="lt1"/>
-          </a:fontRef>
-        </p:style>
-        <p:txBody>
-          <a:bodyPr rtlCol="0" anchor="ctr"/>
-          <a:lstStyle/>
-          <a:p>
-            <a:pPr algn="ctr"/>
-            <a:r>
-              <a:rPr lang="en-US" dirty="0"/>
-              <a:t>Model</a:t>
-            </a:r>
-          </a:p>
-        </p:txBody>
-      </p:sp>
-      <p:sp>
-        <p:nvSpPr>
-          <p:cNvPr id="6" name="Rectangle 5">
-            <a:extLst>
-              <a:ext uri="{FF2B5EF4-FFF2-40B4-BE49-F238E27FC236}">
-                <a16:creationId xmlns:a16="http://schemas.microsoft.com/office/drawing/2014/main" id="{F500C8CF-93B4-DA61-B486-60CA5DCBA509}"/>
-              </a:ext>
-            </a:extLst>
-          </p:cNvPr>
-          <p:cNvSpPr/>
-          <p:nvPr/>
-        </p:nvSpPr>
-        <p:spPr>
-          <a:xfrm>
-            <a:off x="674556" y="4182784"/>
-            <a:ext cx="6475753" cy="289597"/>
-          </a:xfrm>
-          <a:prstGeom prst="rect">
-            <a:avLst/>
-          </a:prstGeom>
-        </p:spPr>
-        <p:style>
-          <a:lnRef idx="2">
-            <a:schemeClr val="accent1">
-              <a:shade val="50000"/>
-            </a:schemeClr>
-          </a:lnRef>
-          <a:fillRef idx="1">
-            <a:schemeClr val="accent1"/>
-          </a:fillRef>
-          <a:effectRef idx="0">
-            <a:schemeClr val="accent1"/>
-          </a:effectRef>
-          <a:fontRef idx="minor">
-            <a:schemeClr val="lt1"/>
-          </a:fontRef>
-        </p:style>
-        <p:txBody>
-          <a:bodyPr rtlCol="0" anchor="ctr"/>
-          <a:lstStyle/>
-          <a:p>
-            <a:pPr algn="ctr"/>
-            <a:r>
-              <a:rPr lang="en-US" dirty="0"/>
-              <a:t>        y</a:t>
-            </a:r>
-          </a:p>
-        </p:txBody>
-      </p:sp>
-      <p:sp>
-        <p:nvSpPr>
-          <p:cNvPr id="7" name="TextBox 6">
-            <a:extLst>
-              <a:ext uri="{FF2B5EF4-FFF2-40B4-BE49-F238E27FC236}">
-                <a16:creationId xmlns:a16="http://schemas.microsoft.com/office/drawing/2014/main" id="{1760CAE6-0357-694D-0BFE-CF6A0B0B41D0}"/>
-              </a:ext>
-            </a:extLst>
-          </p:cNvPr>
-          <p:cNvSpPr txBox="1"/>
-          <p:nvPr/>
-        </p:nvSpPr>
-        <p:spPr>
-          <a:xfrm>
-            <a:off x="7150309" y="4182784"/>
-            <a:ext cx="1409076" cy="369332"/>
-          </a:xfrm>
-          <a:prstGeom prst="rect">
-            <a:avLst/>
-          </a:prstGeom>
-          <a:noFill/>
-        </p:spPr>
-        <p:txBody>
-          <a:bodyPr wrap="square" rtlCol="0">
-            <a:spAutoFit/>
-          </a:bodyPr>
-          <a:lstStyle/>
-          <a:p>
-            <a:r>
-              <a:rPr lang="en-US" i="1" dirty="0"/>
-              <a:t>response</a:t>
-            </a:r>
-            <a:endParaRPr lang="en-US" dirty="0"/>
-          </a:p>
-        </p:txBody>
-      </p:sp>
-      <p:cxnSp>
-        <p:nvCxnSpPr>
-          <p:cNvPr id="14" name="Straight Arrow Connector 13">
-            <a:extLst>
-              <a:ext uri="{FF2B5EF4-FFF2-40B4-BE49-F238E27FC236}">
-                <a16:creationId xmlns:a16="http://schemas.microsoft.com/office/drawing/2014/main" id="{CF80B5E0-097B-F163-E06E-DAB0B1FB82BC}"/>
-              </a:ext>
-            </a:extLst>
-          </p:cNvPr>
-          <p:cNvCxnSpPr/>
-          <p:nvPr/>
-        </p:nvCxnSpPr>
-        <p:spPr>
-          <a:xfrm>
-            <a:off x="3043004" y="1801318"/>
-            <a:ext cx="0" cy="998096"/>
-          </a:xfrm>
-          <a:prstGeom prst="straightConnector1">
-            <a:avLst/>
-          </a:prstGeom>
-          <a:ln>
-            <a:tailEnd type="triangle"/>
-          </a:ln>
-        </p:spPr>
-        <p:style>
-          <a:lnRef idx="1">
-            <a:schemeClr val="accent1"/>
-          </a:lnRef>
-          <a:fillRef idx="0">
-            <a:schemeClr val="accent1"/>
-          </a:fillRef>
-          <a:effectRef idx="0">
-            <a:schemeClr val="accent1"/>
-          </a:effectRef>
-          <a:fontRef idx="minor">
-            <a:schemeClr val="tx1"/>
-          </a:fontRef>
-        </p:style>
-      </p:cxnSp>
-    </p:spTree>
-    <p:extLst>
-      <p:ext uri="{BB962C8B-B14F-4D97-AF65-F5344CB8AC3E}">
-        <p14:creationId xmlns:p14="http://schemas.microsoft.com/office/powerpoint/2010/main" val="3857355688"/>
-      </p:ext>
-    </p:extLst>
-  </p:cSld>
-  <p:clrMapOvr>
-    <a:masterClrMapping/>
-  </p:clrMapOvr>
-</p:sld>
-</file>
-
-<file path=ppt/slides/slide5.xml><?xml version="1.0" encoding="utf-8"?>
-<p:sld xmlns:a="http://schemas.openxmlformats.org/drawingml/2006/main" xmlns:r="http://schemas.openxmlformats.org/officeDocument/2006/relationships" xmlns:p="http://schemas.openxmlformats.org/presentationml/2006/main">
-  <p:cSld>
-    <p:spTree>
-      <p:nvGrpSpPr>
-        <p:cNvPr id="1" name=""/>
-        <p:cNvGrpSpPr/>
-        <p:nvPr/>
-      </p:nvGrpSpPr>
-      <p:grpSpPr>
-        <a:xfrm>
-          <a:off x="0" y="0"/>
-          <a:ext cx="0" cy="0"/>
-          <a:chOff x="0" y="0"/>
-          <a:chExt cx="0" cy="0"/>
-        </a:xfrm>
-      </p:grpSpPr>
-      <p:sp>
-        <p:nvSpPr>
-          <p:cNvPr id="9" name="Right Brace 8">
-            <a:extLst>
-              <a:ext uri="{FF2B5EF4-FFF2-40B4-BE49-F238E27FC236}">
-                <a16:creationId xmlns:a16="http://schemas.microsoft.com/office/drawing/2014/main" id="{48A5BC99-8983-5EFA-B624-3E5D896A6522}"/>
-              </a:ext>
-            </a:extLst>
-          </p:cNvPr>
-          <p:cNvSpPr/>
-          <p:nvPr/>
-        </p:nvSpPr>
-        <p:spPr>
-          <a:xfrm rot="16200000">
-            <a:off x="3732550" y="-2443398"/>
-            <a:ext cx="359765" cy="6475752"/>
-          </a:xfrm>
-          <a:prstGeom prst="rightBrace">
-            <a:avLst>
-              <a:gd name="adj1" fmla="val 8333"/>
-              <a:gd name="adj2" fmla="val 49289"/>
-            </a:avLst>
-          </a:prstGeom>
-          <a:ln w="38100">
-            <a:solidFill>
-              <a:schemeClr val="tx1"/>
-            </a:solidFill>
-          </a:ln>
-        </p:spPr>
-        <p:style>
-          <a:lnRef idx="1">
-            <a:schemeClr val="accent1"/>
-          </a:lnRef>
-          <a:fillRef idx="0">
-            <a:schemeClr val="accent1"/>
-          </a:fillRef>
-          <a:effectRef idx="0">
-            <a:schemeClr val="accent1"/>
-          </a:effectRef>
-          <a:fontRef idx="minor">
-            <a:schemeClr val="tx1"/>
-          </a:fontRef>
-        </p:style>
-        <p:txBody>
-          <a:bodyPr rtlCol="0" anchor="ctr"/>
-          <a:lstStyle/>
-          <a:p>
-            <a:pPr algn="ctr"/>
-            <a:endParaRPr lang="en-US">
-              <a:ln w="0"/>
-              <a:effectLst>
-                <a:outerShdw blurRad="38100" dist="19050" dir="2700000" algn="tl" rotWithShape="0">
-                  <a:schemeClr val="dk1">
-                    <a:alpha val="40000"/>
-                  </a:schemeClr>
-                </a:outerShdw>
-              </a:effectLst>
-            </a:endParaRPr>
-          </a:p>
-        </p:txBody>
-      </p:sp>
-      <p:sp>
-        <p:nvSpPr>
-          <p:cNvPr id="10" name="Right Brace 9">
-            <a:extLst>
-              <a:ext uri="{FF2B5EF4-FFF2-40B4-BE49-F238E27FC236}">
-                <a16:creationId xmlns:a16="http://schemas.microsoft.com/office/drawing/2014/main" id="{09B17BA9-4DCB-50C8-0251-EADF00BF71CF}"/>
-              </a:ext>
-            </a:extLst>
-          </p:cNvPr>
-          <p:cNvSpPr/>
-          <p:nvPr/>
-        </p:nvSpPr>
-        <p:spPr>
-          <a:xfrm>
-            <a:off x="7150309" y="976859"/>
-            <a:ext cx="299803" cy="824459"/>
-          </a:xfrm>
-          <a:prstGeom prst="rightBrace">
-            <a:avLst>
-              <a:gd name="adj1" fmla="val 8333"/>
-              <a:gd name="adj2" fmla="val 49289"/>
-            </a:avLst>
-          </a:prstGeom>
-          <a:ln w="38100">
-            <a:solidFill>
-              <a:schemeClr val="tx1"/>
-            </a:solidFill>
-          </a:ln>
-        </p:spPr>
-        <p:style>
-          <a:lnRef idx="1">
-            <a:schemeClr val="accent1"/>
-          </a:lnRef>
-          <a:fillRef idx="0">
-            <a:schemeClr val="accent1"/>
-          </a:fillRef>
-          <a:effectRef idx="0">
-            <a:schemeClr val="accent1"/>
-          </a:effectRef>
-          <a:fontRef idx="minor">
-            <a:schemeClr val="tx1"/>
-          </a:fontRef>
-        </p:style>
-        <p:txBody>
-          <a:bodyPr rtlCol="0" anchor="ctr"/>
-          <a:lstStyle/>
-          <a:p>
-            <a:pPr algn="ctr"/>
-            <a:endParaRPr lang="en-US">
-              <a:ln w="0"/>
-              <a:effectLst>
-                <a:outerShdw blurRad="38100" dist="19050" dir="2700000" algn="tl" rotWithShape="0">
-                  <a:schemeClr val="dk1">
-                    <a:alpha val="40000"/>
-                  </a:schemeClr>
-                </a:outerShdw>
-              </a:effectLst>
-            </a:endParaRPr>
-          </a:p>
-        </p:txBody>
-      </p:sp>
-      <p:sp>
-        <p:nvSpPr>
-          <p:cNvPr id="11" name="TextBox 10">
-            <a:extLst>
-              <a:ext uri="{FF2B5EF4-FFF2-40B4-BE49-F238E27FC236}">
-                <a16:creationId xmlns:a16="http://schemas.microsoft.com/office/drawing/2014/main" id="{9B3957E0-1D73-0338-9E2D-2FDCB09EA6A8}"/>
-              </a:ext>
-            </a:extLst>
-          </p:cNvPr>
-          <p:cNvSpPr txBox="1"/>
-          <p:nvPr/>
-        </p:nvSpPr>
-        <p:spPr>
-          <a:xfrm>
-            <a:off x="3043004" y="245262"/>
-            <a:ext cx="3477718" cy="369332"/>
-          </a:xfrm>
-          <a:prstGeom prst="rect">
-            <a:avLst/>
-          </a:prstGeom>
-          <a:noFill/>
-        </p:spPr>
-        <p:txBody>
-          <a:bodyPr wrap="square" rtlCol="0">
-            <a:spAutoFit/>
-          </a:bodyPr>
-          <a:lstStyle/>
-          <a:p>
-            <a:r>
-              <a:rPr lang="en-US" i="1" dirty="0"/>
-              <a:t>N</a:t>
-            </a:r>
-            <a:r>
-              <a:rPr lang="en-US" dirty="0"/>
-              <a:t> observations</a:t>
-            </a:r>
-          </a:p>
-        </p:txBody>
-      </p:sp>
-      <p:sp>
-        <p:nvSpPr>
-          <p:cNvPr id="12" name="TextBox 11">
-            <a:extLst>
-              <a:ext uri="{FF2B5EF4-FFF2-40B4-BE49-F238E27FC236}">
-                <a16:creationId xmlns:a16="http://schemas.microsoft.com/office/drawing/2014/main" id="{25F04D18-FE36-CF88-AD93-DE624620DED3}"/>
-              </a:ext>
-            </a:extLst>
-          </p:cNvPr>
-          <p:cNvSpPr txBox="1"/>
-          <p:nvPr/>
-        </p:nvSpPr>
-        <p:spPr>
-          <a:xfrm>
-            <a:off x="7450112" y="1204422"/>
-            <a:ext cx="1409076" cy="369332"/>
-          </a:xfrm>
-          <a:prstGeom prst="rect">
-            <a:avLst/>
-          </a:prstGeom>
-          <a:noFill/>
-        </p:spPr>
-        <p:txBody>
-          <a:bodyPr wrap="square" rtlCol="0">
-            <a:spAutoFit/>
-          </a:bodyPr>
-          <a:lstStyle/>
-          <a:p>
-            <a:r>
-              <a:rPr lang="en-US" i="1" dirty="0"/>
-              <a:t>P</a:t>
-            </a:r>
-            <a:r>
-              <a:rPr lang="en-US" dirty="0"/>
-              <a:t> variables</a:t>
-            </a:r>
-          </a:p>
-        </p:txBody>
-      </p:sp>
-      <p:sp>
-        <p:nvSpPr>
-          <p:cNvPr id="13" name="Rectangle 12">
-            <a:extLst>
-              <a:ext uri="{FF2B5EF4-FFF2-40B4-BE49-F238E27FC236}">
-                <a16:creationId xmlns:a16="http://schemas.microsoft.com/office/drawing/2014/main" id="{6DF32D3D-5662-1770-F6B4-902296D6A032}"/>
-              </a:ext>
-            </a:extLst>
-          </p:cNvPr>
-          <p:cNvSpPr/>
-          <p:nvPr/>
-        </p:nvSpPr>
-        <p:spPr>
-          <a:xfrm>
-            <a:off x="674557" y="976861"/>
-            <a:ext cx="1618938" cy="824459"/>
-          </a:xfrm>
-          <a:prstGeom prst="rect">
-            <a:avLst/>
-          </a:prstGeom>
-          <a:solidFill>
-            <a:schemeClr val="bg1">
-              <a:lumMod val="85000"/>
-            </a:schemeClr>
-          </a:solidFill>
-          <a:ln>
-            <a:noFill/>
-          </a:ln>
-        </p:spPr>
-        <p:style>
-          <a:lnRef idx="2">
-            <a:schemeClr val="accent1">
-              <a:shade val="50000"/>
-            </a:schemeClr>
-          </a:lnRef>
-          <a:fillRef idx="1">
-            <a:schemeClr val="accent1"/>
-          </a:fillRef>
-          <a:effectRef idx="0">
-            <a:schemeClr val="accent1"/>
-          </a:effectRef>
-          <a:fontRef idx="minor">
-            <a:schemeClr val="lt1"/>
-          </a:fontRef>
-        </p:style>
-        <p:txBody>
-          <a:bodyPr rtlCol="0" anchor="ctr"/>
-          <a:lstStyle/>
-          <a:p>
-            <a:pPr algn="ctr"/>
-            <a:endParaRPr lang="en-US" dirty="0">
-              <a:solidFill>
-                <a:schemeClr val="bg1">
-                  <a:lumMod val="65000"/>
-                </a:schemeClr>
-              </a:solidFill>
-            </a:endParaRPr>
-          </a:p>
-        </p:txBody>
-      </p:sp>
-      <p:sp>
-        <p:nvSpPr>
-          <p:cNvPr id="17" name="Rectangle 16">
-            <a:extLst>
-              <a:ext uri="{FF2B5EF4-FFF2-40B4-BE49-F238E27FC236}">
-                <a16:creationId xmlns:a16="http://schemas.microsoft.com/office/drawing/2014/main" id="{7031A6D6-058B-83CF-8D83-A2CDA4B46AAD}"/>
-              </a:ext>
-            </a:extLst>
-          </p:cNvPr>
-          <p:cNvSpPr/>
-          <p:nvPr/>
-        </p:nvSpPr>
-        <p:spPr>
-          <a:xfrm>
-            <a:off x="2293495" y="976860"/>
-            <a:ext cx="1618938" cy="824459"/>
-          </a:xfrm>
-          <a:prstGeom prst="rect">
-            <a:avLst/>
-          </a:prstGeom>
-          <a:solidFill>
-            <a:schemeClr val="bg1">
-              <a:lumMod val="85000"/>
-            </a:schemeClr>
-          </a:solidFill>
-          <a:ln>
-            <a:noFill/>
-          </a:ln>
-        </p:spPr>
-        <p:style>
-          <a:lnRef idx="2">
-            <a:schemeClr val="accent1">
-              <a:shade val="50000"/>
-            </a:schemeClr>
-          </a:lnRef>
-          <a:fillRef idx="1">
-            <a:schemeClr val="accent1"/>
-          </a:fillRef>
-          <a:effectRef idx="0">
-            <a:schemeClr val="accent1"/>
-          </a:effectRef>
-          <a:fontRef idx="minor">
-            <a:schemeClr val="lt1"/>
-          </a:fontRef>
-        </p:style>
-        <p:txBody>
-          <a:bodyPr rtlCol="0" anchor="ctr"/>
-          <a:lstStyle/>
-          <a:p>
-            <a:pPr algn="ctr"/>
-            <a:r>
-              <a:rPr lang="en-US" dirty="0">
-                <a:solidFill>
-                  <a:schemeClr val="bg1">
-                    <a:lumMod val="65000"/>
-                  </a:schemeClr>
-                </a:solidFill>
-              </a:rPr>
-              <a:t>Train</a:t>
-            </a:r>
-          </a:p>
-        </p:txBody>
-      </p:sp>
-      <p:sp>
-        <p:nvSpPr>
-          <p:cNvPr id="18" name="Rectangle 17">
-            <a:extLst>
-              <a:ext uri="{FF2B5EF4-FFF2-40B4-BE49-F238E27FC236}">
-                <a16:creationId xmlns:a16="http://schemas.microsoft.com/office/drawing/2014/main" id="{4AFA69C2-9683-E9A3-FE76-47C067A59183}"/>
-              </a:ext>
-            </a:extLst>
-          </p:cNvPr>
-          <p:cNvSpPr/>
-          <p:nvPr/>
-        </p:nvSpPr>
-        <p:spPr>
-          <a:xfrm>
-            <a:off x="3912433" y="976860"/>
-            <a:ext cx="1618938" cy="824459"/>
-          </a:xfrm>
-          <a:prstGeom prst="rect">
-            <a:avLst/>
-          </a:prstGeom>
-          <a:solidFill>
-            <a:schemeClr val="bg1">
-              <a:lumMod val="85000"/>
-            </a:schemeClr>
-          </a:solidFill>
-          <a:ln>
-            <a:noFill/>
-          </a:ln>
-        </p:spPr>
-        <p:style>
-          <a:lnRef idx="2">
-            <a:schemeClr val="accent1">
-              <a:shade val="50000"/>
-            </a:schemeClr>
-          </a:lnRef>
-          <a:fillRef idx="1">
-            <a:schemeClr val="accent1"/>
-          </a:fillRef>
-          <a:effectRef idx="0">
-            <a:schemeClr val="accent1"/>
-          </a:effectRef>
-          <a:fontRef idx="minor">
-            <a:schemeClr val="lt1"/>
-          </a:fontRef>
-        </p:style>
-        <p:txBody>
-          <a:bodyPr rtlCol="0" anchor="ctr"/>
-          <a:lstStyle/>
-          <a:p>
-            <a:pPr algn="ctr"/>
-            <a:endParaRPr lang="en-US">
-              <a:solidFill>
-                <a:schemeClr val="bg1">
-                  <a:lumMod val="65000"/>
-                </a:schemeClr>
-              </a:solidFill>
-            </a:endParaRPr>
-          </a:p>
-        </p:txBody>
-      </p:sp>
-      <p:sp>
-        <p:nvSpPr>
-          <p:cNvPr id="19" name="Rectangle 18">
-            <a:extLst>
-              <a:ext uri="{FF2B5EF4-FFF2-40B4-BE49-F238E27FC236}">
-                <a16:creationId xmlns:a16="http://schemas.microsoft.com/office/drawing/2014/main" id="{8442F19B-3C03-2539-120E-5EF1D858776D}"/>
-              </a:ext>
-            </a:extLst>
-          </p:cNvPr>
-          <p:cNvSpPr/>
-          <p:nvPr/>
-        </p:nvSpPr>
-        <p:spPr>
-          <a:xfrm>
-            <a:off x="5531371" y="976859"/>
-            <a:ext cx="1618938" cy="824459"/>
-          </a:xfrm>
-          <a:prstGeom prst="rect">
-            <a:avLst/>
-          </a:prstGeom>
-          <a:solidFill>
-            <a:schemeClr val="bg1">
-              <a:lumMod val="50000"/>
-            </a:schemeClr>
-          </a:solidFill>
-          <a:ln>
-            <a:solidFill>
-              <a:schemeClr val="tx1"/>
-            </a:solidFill>
-          </a:ln>
-        </p:spPr>
-        <p:style>
-          <a:lnRef idx="2">
-            <a:schemeClr val="accent1">
-              <a:shade val="50000"/>
-            </a:schemeClr>
-          </a:lnRef>
-          <a:fillRef idx="1">
-            <a:schemeClr val="accent1"/>
-          </a:fillRef>
-          <a:effectRef idx="0">
-            <a:schemeClr val="accent1"/>
-          </a:effectRef>
-          <a:fontRef idx="minor">
-            <a:schemeClr val="lt1"/>
-          </a:fontRef>
-        </p:style>
-        <p:txBody>
-          <a:bodyPr rtlCol="0" anchor="ctr"/>
-          <a:lstStyle/>
-          <a:p>
-            <a:pPr algn="ctr"/>
-            <a:r>
-              <a:rPr lang="en-US" dirty="0">
-                <a:solidFill>
-                  <a:schemeClr val="bg1">
-                    <a:lumMod val="65000"/>
-                  </a:schemeClr>
-                </a:solidFill>
-              </a:rPr>
-              <a:t>Test</a:t>
-            </a:r>
-          </a:p>
-        </p:txBody>
-      </p:sp>
-      <p:sp>
-        <p:nvSpPr>
-          <p:cNvPr id="2" name="TextBox 1">
-            <a:extLst>
-              <a:ext uri="{FF2B5EF4-FFF2-40B4-BE49-F238E27FC236}">
-                <a16:creationId xmlns:a16="http://schemas.microsoft.com/office/drawing/2014/main" id="{DF303B85-9C60-A06F-B2B7-45E2C98F0CA1}"/>
-              </a:ext>
-            </a:extLst>
-          </p:cNvPr>
-          <p:cNvSpPr txBox="1"/>
-          <p:nvPr/>
-        </p:nvSpPr>
-        <p:spPr>
-          <a:xfrm>
-            <a:off x="539646" y="245262"/>
-            <a:ext cx="1454046" cy="369332"/>
-          </a:xfrm>
-          <a:prstGeom prst="rect">
-            <a:avLst/>
-          </a:prstGeom>
-          <a:noFill/>
-        </p:spPr>
-        <p:txBody>
-          <a:bodyPr wrap="square" rtlCol="0">
-            <a:spAutoFit/>
-          </a:bodyPr>
-          <a:lstStyle/>
-          <a:p>
-            <a:r>
-              <a:rPr lang="en-US" dirty="0"/>
-              <a:t>Test model</a:t>
             </a:r>
           </a:p>
         </p:txBody>
@@ -8635,12 +8398,12 @@
                 <a:pPr algn="ctr"/>
                 <a:r>
                   <a:rPr lang="en-US" dirty="0"/>
-                  <a:t>        </a:t>
+                  <a:t> </a:t>
                 </a:r>
                 <a14:m>
                   <m:oMath xmlns:m="http://schemas.openxmlformats.org/officeDocument/2006/math">
                     <m:r>
-                      <a:rPr lang="en-CA" b="0" i="1" smtClean="0">
+                      <a:rPr lang="en-CA" i="1">
                         <a:latin typeface="Cambria Math" panose="02040503050406030204" pitchFamily="18" charset="0"/>
                       </a:rPr>
                       <m:t>𝑦</m:t>
@@ -8735,26 +8498,1003 @@
       </p:sp>
       <p:cxnSp>
         <p:nvCxnSpPr>
-          <p:cNvPr id="20" name="Elbow Connector 19">
-            <a:extLst>
-              <a:ext uri="{FF2B5EF4-FFF2-40B4-BE49-F238E27FC236}">
-                <a16:creationId xmlns:a16="http://schemas.microsoft.com/office/drawing/2014/main" id="{E56ACD69-6C24-BAE2-1BC0-8CE379F7463A}"/>
+          <p:cNvPr id="14" name="Straight Arrow Connector 13">
+            <a:extLst>
+              <a:ext uri="{FF2B5EF4-FFF2-40B4-BE49-F238E27FC236}">
+                <a16:creationId xmlns:a16="http://schemas.microsoft.com/office/drawing/2014/main" id="{CF80B5E0-097B-F163-E06E-DAB0B1FB82BC}"/>
+              </a:ext>
+            </a:extLst>
+          </p:cNvPr>
+          <p:cNvCxnSpPr/>
+          <p:nvPr/>
+        </p:nvCxnSpPr>
+        <p:spPr>
+          <a:xfrm>
+            <a:off x="3043004" y="1801318"/>
+            <a:ext cx="0" cy="998096"/>
+          </a:xfrm>
+          <a:prstGeom prst="straightConnector1">
+            <a:avLst/>
+          </a:prstGeom>
+          <a:ln>
+            <a:tailEnd type="triangle"/>
+          </a:ln>
+        </p:spPr>
+        <p:style>
+          <a:lnRef idx="1">
+            <a:schemeClr val="accent1"/>
+          </a:lnRef>
+          <a:fillRef idx="0">
+            <a:schemeClr val="accent1"/>
+          </a:fillRef>
+          <a:effectRef idx="0">
+            <a:schemeClr val="accent1"/>
+          </a:effectRef>
+          <a:fontRef idx="minor">
+            <a:schemeClr val="tx1"/>
+          </a:fontRef>
+        </p:style>
+      </p:cxnSp>
+      <p:sp>
+        <p:nvSpPr>
+          <p:cNvPr id="8" name="TextBox 7">
+            <a:extLst>
+              <a:ext uri="{FF2B5EF4-FFF2-40B4-BE49-F238E27FC236}">
+                <a16:creationId xmlns:a16="http://schemas.microsoft.com/office/drawing/2014/main" id="{8C612843-B74B-9A23-EE5D-29FFEBB4E4EF}"/>
+              </a:ext>
+            </a:extLst>
+          </p:cNvPr>
+          <p:cNvSpPr txBox="1"/>
+          <p:nvPr/>
+        </p:nvSpPr>
+        <p:spPr>
+          <a:xfrm>
+            <a:off x="5531372" y="2376398"/>
+            <a:ext cx="4434562" cy="1477328"/>
+          </a:xfrm>
+          <a:prstGeom prst="rect">
+            <a:avLst/>
+          </a:prstGeom>
+          <a:noFill/>
+          <a:ln>
+            <a:noFill/>
+          </a:ln>
+        </p:spPr>
+        <p:txBody>
+          <a:bodyPr wrap="square" rtlCol="0">
+            <a:spAutoFit/>
+          </a:bodyPr>
+          <a:lstStyle/>
+          <a:p>
+            <a:r>
+              <a:rPr lang="en-US" dirty="0"/>
+              <a:t>Model derivation can include multiple steps:</a:t>
+            </a:r>
+          </a:p>
+          <a:p>
+            <a:pPr marL="285750" indent="-285750">
+              <a:buFont typeface="Arial" panose="020B0604020202020204" pitchFamily="34" charset="0"/>
+              <a:buChar char="•"/>
+            </a:pPr>
+            <a:r>
+              <a:rPr lang="en-US" dirty="0"/>
+              <a:t>Differential expression</a:t>
+            </a:r>
+          </a:p>
+          <a:p>
+            <a:pPr marL="285750" indent="-285750">
+              <a:buFont typeface="Arial" panose="020B0604020202020204" pitchFamily="34" charset="0"/>
+              <a:buChar char="•"/>
+            </a:pPr>
+            <a:r>
+              <a:rPr lang="en-US" i="1" dirty="0"/>
+              <a:t>a priori </a:t>
+            </a:r>
+            <a:r>
+              <a:rPr lang="en-US" dirty="0"/>
+              <a:t>candidates</a:t>
+            </a:r>
+          </a:p>
+          <a:p>
+            <a:pPr marL="285750" indent="-285750">
+              <a:buFont typeface="Arial" panose="020B0604020202020204" pitchFamily="34" charset="0"/>
+              <a:buChar char="•"/>
+            </a:pPr>
+            <a:r>
+              <a:rPr lang="en-US" dirty="0"/>
+              <a:t>Machine learning algorithms</a:t>
+            </a:r>
+          </a:p>
+          <a:p>
+            <a:endParaRPr lang="en-US" dirty="0"/>
+          </a:p>
+        </p:txBody>
+      </p:sp>
+      <p:cxnSp>
+        <p:nvCxnSpPr>
+          <p:cNvPr id="24" name="Straight Connector 23">
+            <a:extLst>
+              <a:ext uri="{FF2B5EF4-FFF2-40B4-BE49-F238E27FC236}">
+                <a16:creationId xmlns:a16="http://schemas.microsoft.com/office/drawing/2014/main" id="{3C3BCA61-D123-B765-532D-FEF94FF20A4A}"/>
               </a:ext>
             </a:extLst>
           </p:cNvPr>
           <p:cNvCxnSpPr>
-            <a:stCxn id="19" idx="2"/>
+            <a:stCxn id="8" idx="1"/>
             <a:endCxn id="5" idx="3"/>
           </p:cNvCxnSpPr>
           <p:nvPr/>
         </p:nvCxnSpPr>
         <p:spPr>
+          <a:xfrm flipH="1" flipV="1">
+            <a:off x="3934918" y="3111289"/>
+            <a:ext cx="1596454" cy="3773"/>
+          </a:xfrm>
+          <a:prstGeom prst="line">
+            <a:avLst/>
+          </a:prstGeom>
+        </p:spPr>
+        <p:style>
+          <a:lnRef idx="1">
+            <a:schemeClr val="accent1"/>
+          </a:lnRef>
+          <a:fillRef idx="0">
+            <a:schemeClr val="accent1"/>
+          </a:fillRef>
+          <a:effectRef idx="0">
+            <a:schemeClr val="accent1"/>
+          </a:effectRef>
+          <a:fontRef idx="minor">
+            <a:schemeClr val="tx1"/>
+          </a:fontRef>
+        </p:style>
+      </p:cxnSp>
+    </p:spTree>
+    <p:extLst>
+      <p:ext uri="{BB962C8B-B14F-4D97-AF65-F5344CB8AC3E}">
+        <p14:creationId xmlns:p14="http://schemas.microsoft.com/office/powerpoint/2010/main" val="3857355688"/>
+      </p:ext>
+    </p:extLst>
+  </p:cSld>
+  <p:clrMapOvr>
+    <a:masterClrMapping/>
+  </p:clrMapOvr>
+</p:sld>
+</file>
+
+<file path=ppt/slides/slide5.xml><?xml version="1.0" encoding="utf-8"?>
+<p:sld xmlns:a="http://schemas.openxmlformats.org/drawingml/2006/main" xmlns:r="http://schemas.openxmlformats.org/officeDocument/2006/relationships" xmlns:p="http://schemas.openxmlformats.org/presentationml/2006/main">
+  <p:cSld>
+    <p:spTree>
+      <p:nvGrpSpPr>
+        <p:cNvPr id="1" name=""/>
+        <p:cNvGrpSpPr/>
+        <p:nvPr/>
+      </p:nvGrpSpPr>
+      <p:grpSpPr>
+        <a:xfrm>
+          <a:off x="0" y="0"/>
+          <a:ext cx="0" cy="0"/>
+          <a:chOff x="0" y="0"/>
+          <a:chExt cx="0" cy="0"/>
+        </a:xfrm>
+      </p:grpSpPr>
+      <p:sp>
+        <p:nvSpPr>
+          <p:cNvPr id="9" name="Right Brace 8">
+            <a:extLst>
+              <a:ext uri="{FF2B5EF4-FFF2-40B4-BE49-F238E27FC236}">
+                <a16:creationId xmlns:a16="http://schemas.microsoft.com/office/drawing/2014/main" id="{48A5BC99-8983-5EFA-B624-3E5D896A6522}"/>
+              </a:ext>
+            </a:extLst>
+          </p:cNvPr>
+          <p:cNvSpPr/>
+          <p:nvPr/>
+        </p:nvSpPr>
+        <p:spPr>
+          <a:xfrm rot="16200000">
+            <a:off x="3732550" y="-2443398"/>
+            <a:ext cx="359765" cy="6475752"/>
+          </a:xfrm>
+          <a:prstGeom prst="rightBrace">
+            <a:avLst>
+              <a:gd name="adj1" fmla="val 8333"/>
+              <a:gd name="adj2" fmla="val 49289"/>
+            </a:avLst>
+          </a:prstGeom>
+          <a:ln w="38100">
+            <a:solidFill>
+              <a:schemeClr val="tx1"/>
+            </a:solidFill>
+          </a:ln>
+        </p:spPr>
+        <p:style>
+          <a:lnRef idx="1">
+            <a:schemeClr val="accent1"/>
+          </a:lnRef>
+          <a:fillRef idx="0">
+            <a:schemeClr val="accent1"/>
+          </a:fillRef>
+          <a:effectRef idx="0">
+            <a:schemeClr val="accent1"/>
+          </a:effectRef>
+          <a:fontRef idx="minor">
+            <a:schemeClr val="tx1"/>
+          </a:fontRef>
+        </p:style>
+        <p:txBody>
+          <a:bodyPr rtlCol="0" anchor="ctr"/>
+          <a:lstStyle/>
+          <a:p>
+            <a:pPr algn="ctr"/>
+            <a:endParaRPr lang="en-US">
+              <a:ln w="0"/>
+              <a:effectLst>
+                <a:outerShdw blurRad="38100" dist="19050" dir="2700000" algn="tl" rotWithShape="0">
+                  <a:schemeClr val="dk1">
+                    <a:alpha val="40000"/>
+                  </a:schemeClr>
+                </a:outerShdw>
+              </a:effectLst>
+            </a:endParaRPr>
+          </a:p>
+        </p:txBody>
+      </p:sp>
+      <p:sp>
+        <p:nvSpPr>
+          <p:cNvPr id="10" name="Right Brace 9">
+            <a:extLst>
+              <a:ext uri="{FF2B5EF4-FFF2-40B4-BE49-F238E27FC236}">
+                <a16:creationId xmlns:a16="http://schemas.microsoft.com/office/drawing/2014/main" id="{09B17BA9-4DCB-50C8-0251-EADF00BF71CF}"/>
+              </a:ext>
+            </a:extLst>
+          </p:cNvPr>
+          <p:cNvSpPr/>
+          <p:nvPr/>
+        </p:nvSpPr>
+        <p:spPr>
+          <a:xfrm>
+            <a:off x="7150309" y="976859"/>
+            <a:ext cx="299803" cy="824459"/>
+          </a:xfrm>
+          <a:prstGeom prst="rightBrace">
+            <a:avLst>
+              <a:gd name="adj1" fmla="val 8333"/>
+              <a:gd name="adj2" fmla="val 49289"/>
+            </a:avLst>
+          </a:prstGeom>
+          <a:ln w="38100">
+            <a:solidFill>
+              <a:schemeClr val="tx1"/>
+            </a:solidFill>
+          </a:ln>
+        </p:spPr>
+        <p:style>
+          <a:lnRef idx="1">
+            <a:schemeClr val="accent1"/>
+          </a:lnRef>
+          <a:fillRef idx="0">
+            <a:schemeClr val="accent1"/>
+          </a:fillRef>
+          <a:effectRef idx="0">
+            <a:schemeClr val="accent1"/>
+          </a:effectRef>
+          <a:fontRef idx="minor">
+            <a:schemeClr val="tx1"/>
+          </a:fontRef>
+        </p:style>
+        <p:txBody>
+          <a:bodyPr rtlCol="0" anchor="ctr"/>
+          <a:lstStyle/>
+          <a:p>
+            <a:pPr algn="ctr"/>
+            <a:endParaRPr lang="en-US">
+              <a:ln w="0"/>
+              <a:effectLst>
+                <a:outerShdw blurRad="38100" dist="19050" dir="2700000" algn="tl" rotWithShape="0">
+                  <a:schemeClr val="dk1">
+                    <a:alpha val="40000"/>
+                  </a:schemeClr>
+                </a:outerShdw>
+              </a:effectLst>
+            </a:endParaRPr>
+          </a:p>
+        </p:txBody>
+      </p:sp>
+      <p:sp>
+        <p:nvSpPr>
+          <p:cNvPr id="11" name="TextBox 10">
+            <a:extLst>
+              <a:ext uri="{FF2B5EF4-FFF2-40B4-BE49-F238E27FC236}">
+                <a16:creationId xmlns:a16="http://schemas.microsoft.com/office/drawing/2014/main" id="{9B3957E0-1D73-0338-9E2D-2FDCB09EA6A8}"/>
+              </a:ext>
+            </a:extLst>
+          </p:cNvPr>
+          <p:cNvSpPr txBox="1"/>
+          <p:nvPr/>
+        </p:nvSpPr>
+        <p:spPr>
+          <a:xfrm>
+            <a:off x="3043004" y="245262"/>
+            <a:ext cx="3477718" cy="369332"/>
+          </a:xfrm>
+          <a:prstGeom prst="rect">
+            <a:avLst/>
+          </a:prstGeom>
+          <a:noFill/>
+        </p:spPr>
+        <p:txBody>
+          <a:bodyPr wrap="square" rtlCol="0">
+            <a:spAutoFit/>
+          </a:bodyPr>
+          <a:lstStyle/>
+          <a:p>
+            <a:r>
+              <a:rPr lang="en-US" i="1" dirty="0"/>
+              <a:t>N</a:t>
+            </a:r>
+            <a:r>
+              <a:rPr lang="en-US" dirty="0"/>
+              <a:t> observations</a:t>
+            </a:r>
+          </a:p>
+        </p:txBody>
+      </p:sp>
+      <p:sp>
+        <p:nvSpPr>
+          <p:cNvPr id="12" name="TextBox 11">
+            <a:extLst>
+              <a:ext uri="{FF2B5EF4-FFF2-40B4-BE49-F238E27FC236}">
+                <a16:creationId xmlns:a16="http://schemas.microsoft.com/office/drawing/2014/main" id="{25F04D18-FE36-CF88-AD93-DE624620DED3}"/>
+              </a:ext>
+            </a:extLst>
+          </p:cNvPr>
+          <p:cNvSpPr txBox="1"/>
+          <p:nvPr/>
+        </p:nvSpPr>
+        <p:spPr>
+          <a:xfrm>
+            <a:off x="7450112" y="1204422"/>
+            <a:ext cx="1409076" cy="369332"/>
+          </a:xfrm>
+          <a:prstGeom prst="rect">
+            <a:avLst/>
+          </a:prstGeom>
+          <a:noFill/>
+        </p:spPr>
+        <p:txBody>
+          <a:bodyPr wrap="square" rtlCol="0">
+            <a:spAutoFit/>
+          </a:bodyPr>
+          <a:lstStyle/>
+          <a:p>
+            <a:r>
+              <a:rPr lang="en-US" i="1" dirty="0"/>
+              <a:t>P</a:t>
+            </a:r>
+            <a:r>
+              <a:rPr lang="en-US" dirty="0"/>
+              <a:t> variables</a:t>
+            </a:r>
+          </a:p>
+        </p:txBody>
+      </p:sp>
+      <p:sp>
+        <p:nvSpPr>
+          <p:cNvPr id="13" name="Rectangle 12">
+            <a:extLst>
+              <a:ext uri="{FF2B5EF4-FFF2-40B4-BE49-F238E27FC236}">
+                <a16:creationId xmlns:a16="http://schemas.microsoft.com/office/drawing/2014/main" id="{6DF32D3D-5662-1770-F6B4-902296D6A032}"/>
+              </a:ext>
+            </a:extLst>
+          </p:cNvPr>
+          <p:cNvSpPr/>
+          <p:nvPr/>
+        </p:nvSpPr>
+        <p:spPr>
+          <a:xfrm>
+            <a:off x="674557" y="976861"/>
+            <a:ext cx="1618938" cy="824459"/>
+          </a:xfrm>
+          <a:prstGeom prst="rect">
+            <a:avLst/>
+          </a:prstGeom>
+          <a:solidFill>
+            <a:schemeClr val="bg1">
+              <a:lumMod val="85000"/>
+            </a:schemeClr>
+          </a:solidFill>
+          <a:ln>
+            <a:noFill/>
+          </a:ln>
+        </p:spPr>
+        <p:style>
+          <a:lnRef idx="2">
+            <a:schemeClr val="accent1">
+              <a:shade val="50000"/>
+            </a:schemeClr>
+          </a:lnRef>
+          <a:fillRef idx="1">
+            <a:schemeClr val="accent1"/>
+          </a:fillRef>
+          <a:effectRef idx="0">
+            <a:schemeClr val="accent1"/>
+          </a:effectRef>
+          <a:fontRef idx="minor">
+            <a:schemeClr val="lt1"/>
+          </a:fontRef>
+        </p:style>
+        <p:txBody>
+          <a:bodyPr rtlCol="0" anchor="ctr"/>
+          <a:lstStyle/>
+          <a:p>
+            <a:pPr algn="ctr"/>
+            <a:endParaRPr lang="en-US" dirty="0">
+              <a:solidFill>
+                <a:schemeClr val="bg1">
+                  <a:lumMod val="65000"/>
+                </a:schemeClr>
+              </a:solidFill>
+            </a:endParaRPr>
+          </a:p>
+        </p:txBody>
+      </p:sp>
+      <p:sp>
+        <p:nvSpPr>
+          <p:cNvPr id="17" name="Rectangle 16">
+            <a:extLst>
+              <a:ext uri="{FF2B5EF4-FFF2-40B4-BE49-F238E27FC236}">
+                <a16:creationId xmlns:a16="http://schemas.microsoft.com/office/drawing/2014/main" id="{7031A6D6-058B-83CF-8D83-A2CDA4B46AAD}"/>
+              </a:ext>
+            </a:extLst>
+          </p:cNvPr>
+          <p:cNvSpPr/>
+          <p:nvPr/>
+        </p:nvSpPr>
+        <p:spPr>
+          <a:xfrm>
+            <a:off x="2293495" y="976860"/>
+            <a:ext cx="1618938" cy="824459"/>
+          </a:xfrm>
+          <a:prstGeom prst="rect">
+            <a:avLst/>
+          </a:prstGeom>
+          <a:solidFill>
+            <a:schemeClr val="bg1">
+              <a:lumMod val="85000"/>
+            </a:schemeClr>
+          </a:solidFill>
+          <a:ln>
+            <a:noFill/>
+          </a:ln>
+        </p:spPr>
+        <p:style>
+          <a:lnRef idx="2">
+            <a:schemeClr val="accent1">
+              <a:shade val="50000"/>
+            </a:schemeClr>
+          </a:lnRef>
+          <a:fillRef idx="1">
+            <a:schemeClr val="accent1"/>
+          </a:fillRef>
+          <a:effectRef idx="0">
+            <a:schemeClr val="accent1"/>
+          </a:effectRef>
+          <a:fontRef idx="minor">
+            <a:schemeClr val="lt1"/>
+          </a:fontRef>
+        </p:style>
+        <p:txBody>
+          <a:bodyPr rtlCol="0" anchor="ctr"/>
+          <a:lstStyle/>
+          <a:p>
+            <a:pPr algn="ctr"/>
+            <a:r>
+              <a:rPr lang="en-US" dirty="0">
+                <a:solidFill>
+                  <a:schemeClr val="bg1">
+                    <a:lumMod val="65000"/>
+                  </a:schemeClr>
+                </a:solidFill>
+              </a:rPr>
+              <a:t>Train</a:t>
+            </a:r>
+          </a:p>
+        </p:txBody>
+      </p:sp>
+      <p:sp>
+        <p:nvSpPr>
+          <p:cNvPr id="18" name="Rectangle 17">
+            <a:extLst>
+              <a:ext uri="{FF2B5EF4-FFF2-40B4-BE49-F238E27FC236}">
+                <a16:creationId xmlns:a16="http://schemas.microsoft.com/office/drawing/2014/main" id="{4AFA69C2-9683-E9A3-FE76-47C067A59183}"/>
+              </a:ext>
+            </a:extLst>
+          </p:cNvPr>
+          <p:cNvSpPr/>
+          <p:nvPr/>
+        </p:nvSpPr>
+        <p:spPr>
+          <a:xfrm>
+            <a:off x="3912433" y="976860"/>
+            <a:ext cx="1618938" cy="824459"/>
+          </a:xfrm>
+          <a:prstGeom prst="rect">
+            <a:avLst/>
+          </a:prstGeom>
+          <a:solidFill>
+            <a:schemeClr val="bg1">
+              <a:lumMod val="85000"/>
+            </a:schemeClr>
+          </a:solidFill>
+          <a:ln>
+            <a:noFill/>
+          </a:ln>
+        </p:spPr>
+        <p:style>
+          <a:lnRef idx="2">
+            <a:schemeClr val="accent1">
+              <a:shade val="50000"/>
+            </a:schemeClr>
+          </a:lnRef>
+          <a:fillRef idx="1">
+            <a:schemeClr val="accent1"/>
+          </a:fillRef>
+          <a:effectRef idx="0">
+            <a:schemeClr val="accent1"/>
+          </a:effectRef>
+          <a:fontRef idx="minor">
+            <a:schemeClr val="lt1"/>
+          </a:fontRef>
+        </p:style>
+        <p:txBody>
+          <a:bodyPr rtlCol="0" anchor="ctr"/>
+          <a:lstStyle/>
+          <a:p>
+            <a:pPr algn="ctr"/>
+            <a:endParaRPr lang="en-US">
+              <a:solidFill>
+                <a:schemeClr val="bg1">
+                  <a:lumMod val="65000"/>
+                </a:schemeClr>
+              </a:solidFill>
+            </a:endParaRPr>
+          </a:p>
+        </p:txBody>
+      </p:sp>
+      <p:sp>
+        <p:nvSpPr>
+          <p:cNvPr id="19" name="Rectangle 18">
+            <a:extLst>
+              <a:ext uri="{FF2B5EF4-FFF2-40B4-BE49-F238E27FC236}">
+                <a16:creationId xmlns:a16="http://schemas.microsoft.com/office/drawing/2014/main" id="{8442F19B-3C03-2539-120E-5EF1D858776D}"/>
+              </a:ext>
+            </a:extLst>
+          </p:cNvPr>
+          <p:cNvSpPr/>
+          <p:nvPr/>
+        </p:nvSpPr>
+        <p:spPr>
+          <a:xfrm>
+            <a:off x="5531371" y="976859"/>
+            <a:ext cx="1618938" cy="824459"/>
+          </a:xfrm>
+          <a:prstGeom prst="rect">
+            <a:avLst/>
+          </a:prstGeom>
+          <a:solidFill>
+            <a:schemeClr val="bg1">
+              <a:lumMod val="50000"/>
+            </a:schemeClr>
+          </a:solidFill>
+          <a:ln>
+            <a:solidFill>
+              <a:schemeClr val="tx1"/>
+            </a:solidFill>
+          </a:ln>
+        </p:spPr>
+        <p:style>
+          <a:lnRef idx="2">
+            <a:schemeClr val="accent1">
+              <a:shade val="50000"/>
+            </a:schemeClr>
+          </a:lnRef>
+          <a:fillRef idx="1">
+            <a:schemeClr val="accent1"/>
+          </a:fillRef>
+          <a:effectRef idx="0">
+            <a:schemeClr val="accent1"/>
+          </a:effectRef>
+          <a:fontRef idx="minor">
+            <a:schemeClr val="lt1"/>
+          </a:fontRef>
+        </p:style>
+        <p:txBody>
+          <a:bodyPr rtlCol="0" anchor="ctr"/>
+          <a:lstStyle/>
+          <a:p>
+            <a:pPr algn="ctr"/>
+            <a:r>
+              <a:rPr lang="en-US" dirty="0">
+                <a:solidFill>
+                  <a:schemeClr val="bg1">
+                    <a:lumMod val="65000"/>
+                  </a:schemeClr>
+                </a:solidFill>
+              </a:rPr>
+              <a:t>Test</a:t>
+            </a:r>
+          </a:p>
+        </p:txBody>
+      </p:sp>
+      <p:sp>
+        <p:nvSpPr>
+          <p:cNvPr id="2" name="TextBox 1">
+            <a:extLst>
+              <a:ext uri="{FF2B5EF4-FFF2-40B4-BE49-F238E27FC236}">
+                <a16:creationId xmlns:a16="http://schemas.microsoft.com/office/drawing/2014/main" id="{DF303B85-9C60-A06F-B2B7-45E2C98F0CA1}"/>
+              </a:ext>
+            </a:extLst>
+          </p:cNvPr>
+          <p:cNvSpPr txBox="1"/>
+          <p:nvPr/>
+        </p:nvSpPr>
+        <p:spPr>
+          <a:xfrm>
+            <a:off x="539646" y="245262"/>
+            <a:ext cx="1454046" cy="369332"/>
+          </a:xfrm>
+          <a:prstGeom prst="rect">
+            <a:avLst/>
+          </a:prstGeom>
+          <a:noFill/>
+        </p:spPr>
+        <p:txBody>
+          <a:bodyPr wrap="square" rtlCol="0">
+            <a:spAutoFit/>
+          </a:bodyPr>
+          <a:lstStyle/>
+          <a:p>
+            <a:r>
+              <a:rPr lang="en-US" dirty="0"/>
+              <a:t>Test model</a:t>
+            </a:r>
+          </a:p>
+        </p:txBody>
+      </p:sp>
+      <p:sp>
+        <p:nvSpPr>
+          <p:cNvPr id="3" name="Right Brace 2">
+            <a:extLst>
+              <a:ext uri="{FF2B5EF4-FFF2-40B4-BE49-F238E27FC236}">
+                <a16:creationId xmlns:a16="http://schemas.microsoft.com/office/drawing/2014/main" id="{C4AFD17E-C240-38EE-6B25-E882AC75F95A}"/>
+              </a:ext>
+            </a:extLst>
+          </p:cNvPr>
+          <p:cNvSpPr/>
+          <p:nvPr/>
+        </p:nvSpPr>
+        <p:spPr>
           <a:xfrm rot="5400000">
-            <a:off x="4482894" y="1253342"/>
-            <a:ext cx="1309971" cy="2405922"/>
-          </a:xfrm>
-          <a:prstGeom prst="bentConnector2">
+            <a:off x="1304142" y="1171734"/>
+            <a:ext cx="359767" cy="1618937"/>
+          </a:xfrm>
+          <a:prstGeom prst="rightBrace">
+            <a:avLst>
+              <a:gd name="adj1" fmla="val 8333"/>
+              <a:gd name="adj2" fmla="val 49289"/>
+            </a:avLst>
+          </a:prstGeom>
+          <a:ln w="38100">
+            <a:solidFill>
+              <a:schemeClr val="tx1"/>
+            </a:solidFill>
+          </a:ln>
+        </p:spPr>
+        <p:style>
+          <a:lnRef idx="1">
+            <a:schemeClr val="accent1"/>
+          </a:lnRef>
+          <a:fillRef idx="0">
+            <a:schemeClr val="accent1"/>
+          </a:fillRef>
+          <a:effectRef idx="0">
+            <a:schemeClr val="accent1"/>
+          </a:effectRef>
+          <a:fontRef idx="minor">
+            <a:schemeClr val="tx1"/>
+          </a:fontRef>
+        </p:style>
+        <p:txBody>
+          <a:bodyPr rtlCol="0" anchor="ctr"/>
+          <a:lstStyle/>
+          <a:p>
+            <a:pPr algn="ctr"/>
+            <a:endParaRPr lang="en-US">
+              <a:ln w="0"/>
+              <a:effectLst>
+                <a:outerShdw blurRad="38100" dist="19050" dir="2700000" algn="tl" rotWithShape="0">
+                  <a:schemeClr val="dk1">
+                    <a:alpha val="40000"/>
+                  </a:schemeClr>
+                </a:outerShdw>
+              </a:effectLst>
+            </a:endParaRPr>
+          </a:p>
+        </p:txBody>
+      </p:sp>
+      <p:sp>
+        <p:nvSpPr>
+          <p:cNvPr id="4" name="TextBox 3">
+            <a:extLst>
+              <a:ext uri="{FF2B5EF4-FFF2-40B4-BE49-F238E27FC236}">
+                <a16:creationId xmlns:a16="http://schemas.microsoft.com/office/drawing/2014/main" id="{51E8C31B-7C4B-AE59-4091-5A267869D449}"/>
+              </a:ext>
+            </a:extLst>
+          </p:cNvPr>
+          <p:cNvSpPr txBox="1"/>
+          <p:nvPr/>
+        </p:nvSpPr>
+        <p:spPr>
+          <a:xfrm>
+            <a:off x="871928" y="2161086"/>
+            <a:ext cx="3477718" cy="369332"/>
+          </a:xfrm>
+          <a:prstGeom prst="rect">
             <a:avLst/>
+          </a:prstGeom>
+          <a:noFill/>
+        </p:spPr>
+        <p:txBody>
+          <a:bodyPr wrap="square" rtlCol="0">
+            <a:spAutoFit/>
+          </a:bodyPr>
+          <a:lstStyle/>
+          <a:p>
+            <a:r>
+              <a:rPr lang="en-US" i="1" dirty="0"/>
+              <a:t>N/4</a:t>
+            </a:r>
+            <a:r>
+              <a:rPr lang="en-US" dirty="0"/>
+              <a:t> observations</a:t>
+            </a:r>
+          </a:p>
+        </p:txBody>
+      </p:sp>
+      <p:sp>
+        <p:nvSpPr>
+          <p:cNvPr id="5" name="Rounded Rectangle 4">
+            <a:extLst>
+              <a:ext uri="{FF2B5EF4-FFF2-40B4-BE49-F238E27FC236}">
+                <a16:creationId xmlns:a16="http://schemas.microsoft.com/office/drawing/2014/main" id="{FA04D9E1-BD42-F030-D616-4D38E3F01AC7}"/>
+              </a:ext>
+            </a:extLst>
+          </p:cNvPr>
+          <p:cNvSpPr/>
+          <p:nvPr/>
+        </p:nvSpPr>
+        <p:spPr>
+          <a:xfrm>
+            <a:off x="2151089" y="2796496"/>
+            <a:ext cx="1783829" cy="629586"/>
+          </a:xfrm>
+          <a:prstGeom prst="roundRect">
+            <a:avLst/>
+          </a:prstGeom>
+          <a:solidFill>
+            <a:schemeClr val="accent2">
+              <a:lumMod val="60000"/>
+              <a:lumOff val="40000"/>
+            </a:schemeClr>
+          </a:solidFill>
+          <a:ln>
+            <a:solidFill>
+              <a:schemeClr val="accent2">
+                <a:lumMod val="60000"/>
+                <a:lumOff val="40000"/>
+              </a:schemeClr>
+            </a:solidFill>
+          </a:ln>
+        </p:spPr>
+        <p:style>
+          <a:lnRef idx="2">
+            <a:schemeClr val="accent1">
+              <a:shade val="50000"/>
+            </a:schemeClr>
+          </a:lnRef>
+          <a:fillRef idx="1">
+            <a:schemeClr val="accent1"/>
+          </a:fillRef>
+          <a:effectRef idx="0">
+            <a:schemeClr val="accent1"/>
+          </a:effectRef>
+          <a:fontRef idx="minor">
+            <a:schemeClr val="lt1"/>
+          </a:fontRef>
+        </p:style>
+        <p:txBody>
+          <a:bodyPr rtlCol="0" anchor="ctr"/>
+          <a:lstStyle/>
+          <a:p>
+            <a:pPr algn="ctr"/>
+            <a:r>
+              <a:rPr lang="en-US" dirty="0"/>
+              <a:t>Model</a:t>
+            </a:r>
+          </a:p>
+        </p:txBody>
+      </p:sp>
+      <mc:AlternateContent xmlns:mc="http://schemas.openxmlformats.org/markup-compatibility/2006" xmlns:a14="http://schemas.microsoft.com/office/drawing/2010/main">
+        <mc:Choice Requires="a14">
+          <p:sp>
+            <p:nvSpPr>
+              <p:cNvPr id="6" name="Rectangle 5">
+                <a:extLst>
+                  <a:ext uri="{FF2B5EF4-FFF2-40B4-BE49-F238E27FC236}">
+                    <a16:creationId xmlns:a16="http://schemas.microsoft.com/office/drawing/2014/main" id="{F500C8CF-93B4-DA61-B486-60CA5DCBA509}"/>
+                  </a:ext>
+                </a:extLst>
+              </p:cNvPr>
+              <p:cNvSpPr/>
+              <p:nvPr/>
+            </p:nvSpPr>
+            <p:spPr>
+              <a:xfrm>
+                <a:off x="674556" y="4182784"/>
+                <a:ext cx="6475753" cy="289597"/>
+              </a:xfrm>
+              <a:prstGeom prst="rect">
+                <a:avLst/>
+              </a:prstGeom>
+            </p:spPr>
+            <p:style>
+              <a:lnRef idx="2">
+                <a:schemeClr val="accent1">
+                  <a:shade val="50000"/>
+                </a:schemeClr>
+              </a:lnRef>
+              <a:fillRef idx="1">
+                <a:schemeClr val="accent1"/>
+              </a:fillRef>
+              <a:effectRef idx="0">
+                <a:schemeClr val="accent1"/>
+              </a:effectRef>
+              <a:fontRef idx="minor">
+                <a:schemeClr val="lt1"/>
+              </a:fontRef>
+            </p:style>
+            <p:txBody>
+              <a:bodyPr rtlCol="0" anchor="ctr"/>
+              <a:lstStyle/>
+              <a:p>
+                <a:pPr algn="ctr"/>
+                <a14:m>
+                  <m:oMathPara xmlns:m="http://schemas.openxmlformats.org/officeDocument/2006/math">
+                    <m:oMathParaPr>
+                      <m:jc m:val="centerGroup"/>
+                    </m:oMathParaPr>
+                    <m:oMath xmlns:m="http://schemas.openxmlformats.org/officeDocument/2006/math">
+                      <m:r>
+                        <a:rPr lang="en-CA" i="1">
+                          <a:latin typeface="Cambria Math" panose="02040503050406030204" pitchFamily="18" charset="0"/>
+                        </a:rPr>
+                        <m:t>𝑦</m:t>
+                      </m:r>
+                    </m:oMath>
+                  </m:oMathPara>
+                </a14:m>
+                <a:endParaRPr lang="en-US" dirty="0"/>
+              </a:p>
+            </p:txBody>
+          </p:sp>
+        </mc:Choice>
+        <mc:Fallback xmlns="">
+          <p:sp>
+            <p:nvSpPr>
+              <p:cNvPr id="6" name="Rectangle 5">
+                <a:extLst>
+                  <a:ext uri="{FF2B5EF4-FFF2-40B4-BE49-F238E27FC236}">
+                    <a16:creationId xmlns:a16="http://schemas.microsoft.com/office/drawing/2014/main" id="{F500C8CF-93B4-DA61-B486-60CA5DCBA509}"/>
+                  </a:ext>
+                </a:extLst>
+              </p:cNvPr>
+              <p:cNvSpPr>
+                <a:spLocks noRot="1" noChangeAspect="1" noMove="1" noResize="1" noEditPoints="1" noAdjustHandles="1" noChangeArrowheads="1" noChangeShapeType="1" noTextEdit="1"/>
+              </p:cNvSpPr>
+              <p:nvPr/>
+            </p:nvSpPr>
+            <p:spPr>
+              <a:xfrm>
+                <a:off x="674556" y="4182784"/>
+                <a:ext cx="6475753" cy="289597"/>
+              </a:xfrm>
+              <a:prstGeom prst="rect">
+                <a:avLst/>
+              </a:prstGeom>
+              <a:blipFill>
+                <a:blip r:embed="rId2"/>
+                <a:stretch>
+                  <a:fillRect b="-20000"/>
+                </a:stretch>
+              </a:blipFill>
+            </p:spPr>
+            <p:txBody>
+              <a:bodyPr/>
+              <a:lstStyle/>
+              <a:p>
+                <a:r>
+                  <a:rPr lang="en-US">
+                    <a:noFill/>
+                  </a:rPr>
+                  <a:t> </a:t>
+                </a:r>
+              </a:p>
+            </p:txBody>
+          </p:sp>
+        </mc:Fallback>
+      </mc:AlternateContent>
+      <p:sp>
+        <p:nvSpPr>
+          <p:cNvPr id="7" name="TextBox 6">
+            <a:extLst>
+              <a:ext uri="{FF2B5EF4-FFF2-40B4-BE49-F238E27FC236}">
+                <a16:creationId xmlns:a16="http://schemas.microsoft.com/office/drawing/2014/main" id="{1760CAE6-0357-694D-0BFE-CF6A0B0B41D0}"/>
+              </a:ext>
+            </a:extLst>
+          </p:cNvPr>
+          <p:cNvSpPr txBox="1"/>
+          <p:nvPr/>
+        </p:nvSpPr>
+        <p:spPr>
+          <a:xfrm>
+            <a:off x="7150309" y="4182784"/>
+            <a:ext cx="1409076" cy="369332"/>
+          </a:xfrm>
+          <a:prstGeom prst="rect">
+            <a:avLst/>
+          </a:prstGeom>
+          <a:noFill/>
+        </p:spPr>
+        <p:txBody>
+          <a:bodyPr wrap="square" rtlCol="0">
+            <a:spAutoFit/>
+          </a:bodyPr>
+          <a:lstStyle/>
+          <a:p>
+            <a:r>
+              <a:rPr lang="en-US" i="1" dirty="0"/>
+              <a:t>response</a:t>
+            </a:r>
+            <a:endParaRPr lang="en-US" dirty="0"/>
+          </a:p>
+        </p:txBody>
+      </p:sp>
+      <p:cxnSp>
+        <p:nvCxnSpPr>
+          <p:cNvPr id="20" name="Elbow Connector 19">
+            <a:extLst>
+              <a:ext uri="{FF2B5EF4-FFF2-40B4-BE49-F238E27FC236}">
+                <a16:creationId xmlns:a16="http://schemas.microsoft.com/office/drawing/2014/main" id="{E56ACD69-6C24-BAE2-1BC0-8CE379F7463A}"/>
+              </a:ext>
+            </a:extLst>
+          </p:cNvPr>
+          <p:cNvCxnSpPr>
+            <a:cxnSpLocks/>
+            <a:stCxn id="19" idx="2"/>
+            <a:endCxn id="5" idx="0"/>
+          </p:cNvCxnSpPr>
+          <p:nvPr/>
+        </p:nvCxnSpPr>
+        <p:spPr>
+          <a:xfrm rot="5400000">
+            <a:off x="4194333" y="649989"/>
+            <a:ext cx="995178" cy="3297836"/>
+          </a:xfrm>
+          <a:prstGeom prst="bentConnector3">
+            <a:avLst>
+              <a:gd name="adj1" fmla="val 50000"/>
+            </a:avLst>
           </a:prstGeom>
           <a:ln>
             <a:tailEnd type="triangle"/>
@@ -8937,6 +9677,158 @@
           </a:p>
         </p:txBody>
       </p:sp>
+      <p:sp>
+        <p:nvSpPr>
+          <p:cNvPr id="15" name="TextBox 14">
+            <a:extLst>
+              <a:ext uri="{FF2B5EF4-FFF2-40B4-BE49-F238E27FC236}">
+                <a16:creationId xmlns:a16="http://schemas.microsoft.com/office/drawing/2014/main" id="{B94ED7CF-594C-6381-6E86-9364B8AC0163}"/>
+              </a:ext>
+            </a:extLst>
+          </p:cNvPr>
+          <p:cNvSpPr txBox="1"/>
+          <p:nvPr/>
+        </p:nvSpPr>
+        <p:spPr>
+          <a:xfrm>
+            <a:off x="5531372" y="2376398"/>
+            <a:ext cx="4434562" cy="1477328"/>
+          </a:xfrm>
+          <a:prstGeom prst="rect">
+            <a:avLst/>
+          </a:prstGeom>
+          <a:noFill/>
+          <a:ln>
+            <a:noFill/>
+          </a:ln>
+        </p:spPr>
+        <p:txBody>
+          <a:bodyPr wrap="square" rtlCol="0">
+            <a:spAutoFit/>
+          </a:bodyPr>
+          <a:lstStyle/>
+          <a:p>
+            <a:r>
+              <a:rPr lang="en-US" dirty="0"/>
+              <a:t>Model derivation can include multiple steps:</a:t>
+            </a:r>
+          </a:p>
+          <a:p>
+            <a:pPr marL="285750" indent="-285750">
+              <a:buFont typeface="Arial" panose="020B0604020202020204" pitchFamily="34" charset="0"/>
+              <a:buChar char="•"/>
+            </a:pPr>
+            <a:r>
+              <a:rPr lang="en-US" dirty="0"/>
+              <a:t>Differential expression</a:t>
+            </a:r>
+          </a:p>
+          <a:p>
+            <a:pPr marL="285750" indent="-285750">
+              <a:buFont typeface="Arial" panose="020B0604020202020204" pitchFamily="34" charset="0"/>
+              <a:buChar char="•"/>
+            </a:pPr>
+            <a:r>
+              <a:rPr lang="en-US" i="1" dirty="0"/>
+              <a:t>a priori </a:t>
+            </a:r>
+            <a:r>
+              <a:rPr lang="en-US" dirty="0"/>
+              <a:t>candidates</a:t>
+            </a:r>
+          </a:p>
+          <a:p>
+            <a:pPr marL="285750" indent="-285750">
+              <a:buFont typeface="Arial" panose="020B0604020202020204" pitchFamily="34" charset="0"/>
+              <a:buChar char="•"/>
+            </a:pPr>
+            <a:r>
+              <a:rPr lang="en-US" dirty="0"/>
+              <a:t>Machine learning algorithms</a:t>
+            </a:r>
+          </a:p>
+          <a:p>
+            <a:endParaRPr lang="en-US" dirty="0"/>
+          </a:p>
+        </p:txBody>
+      </p:sp>
+      <p:cxnSp>
+        <p:nvCxnSpPr>
+          <p:cNvPr id="24" name="Straight Connector 23">
+            <a:extLst>
+              <a:ext uri="{FF2B5EF4-FFF2-40B4-BE49-F238E27FC236}">
+                <a16:creationId xmlns:a16="http://schemas.microsoft.com/office/drawing/2014/main" id="{6F2276F9-48D4-EF61-10AA-672E82AF4D1E}"/>
+              </a:ext>
+            </a:extLst>
+          </p:cNvPr>
+          <p:cNvCxnSpPr/>
+          <p:nvPr/>
+        </p:nvCxnSpPr>
+        <p:spPr>
+          <a:xfrm flipH="1" flipV="1">
+            <a:off x="3934918" y="3111289"/>
+            <a:ext cx="1596454" cy="3773"/>
+          </a:xfrm>
+          <a:prstGeom prst="line">
+            <a:avLst/>
+          </a:prstGeom>
+        </p:spPr>
+        <p:style>
+          <a:lnRef idx="1">
+            <a:schemeClr val="accent1"/>
+          </a:lnRef>
+          <a:fillRef idx="0">
+            <a:schemeClr val="accent1"/>
+          </a:fillRef>
+          <a:effectRef idx="0">
+            <a:schemeClr val="accent1"/>
+          </a:effectRef>
+          <a:fontRef idx="minor">
+            <a:schemeClr val="tx1"/>
+          </a:fontRef>
+        </p:style>
+      </p:cxnSp>
+      <p:cxnSp>
+        <p:nvCxnSpPr>
+          <p:cNvPr id="14" name="Elbow Connector 13">
+            <a:extLst>
+              <a:ext uri="{FF2B5EF4-FFF2-40B4-BE49-F238E27FC236}">
+                <a16:creationId xmlns:a16="http://schemas.microsoft.com/office/drawing/2014/main" id="{74069C65-3BE3-B510-FE96-AA993730522F}"/>
+              </a:ext>
+            </a:extLst>
+          </p:cNvPr>
+          <p:cNvCxnSpPr>
+            <a:stCxn id="5" idx="2"/>
+          </p:cNvCxnSpPr>
+          <p:nvPr/>
+        </p:nvCxnSpPr>
+        <p:spPr>
+          <a:xfrm rot="16200000" flipH="1">
+            <a:off x="4073365" y="2395720"/>
+            <a:ext cx="427644" cy="2488367"/>
+          </a:xfrm>
+          <a:prstGeom prst="bentConnector2">
+            <a:avLst/>
+          </a:prstGeom>
+          <a:ln>
+            <a:tailEnd type="triangle"/>
+          </a:ln>
+        </p:spPr>
+        <p:style>
+          <a:lnRef idx="1">
+            <a:schemeClr val="accent1"/>
+          </a:lnRef>
+          <a:fillRef idx="0">
+            <a:schemeClr val="accent1"/>
+          </a:fillRef>
+          <a:effectRef idx="0">
+            <a:schemeClr val="accent1"/>
+          </a:effectRef>
+          <a:fontRef idx="minor">
+            <a:schemeClr val="tx1"/>
+          </a:fontRef>
+        </p:style>
+      </p:cxnSp>
     </p:spTree>
     <p:extLst>
       <p:ext uri="{BB962C8B-B14F-4D97-AF65-F5344CB8AC3E}">
@@ -9611,55 +10503,114 @@
           </a:p>
         </p:txBody>
       </p:sp>
-      <p:sp>
-        <p:nvSpPr>
-          <p:cNvPr id="6" name="Rectangle 5">
-            <a:extLst>
-              <a:ext uri="{FF2B5EF4-FFF2-40B4-BE49-F238E27FC236}">
-                <a16:creationId xmlns:a16="http://schemas.microsoft.com/office/drawing/2014/main" id="{F500C8CF-93B4-DA61-B486-60CA5DCBA509}"/>
-              </a:ext>
-            </a:extLst>
-          </p:cNvPr>
-          <p:cNvSpPr/>
-          <p:nvPr/>
-        </p:nvSpPr>
-        <p:spPr>
-          <a:xfrm>
-            <a:off x="674556" y="4182784"/>
-            <a:ext cx="6475753" cy="289597"/>
-          </a:xfrm>
-          <a:prstGeom prst="rect">
-            <a:avLst/>
-          </a:prstGeom>
-        </p:spPr>
-        <p:style>
-          <a:lnRef idx="2">
-            <a:schemeClr val="accent1">
-              <a:shade val="50000"/>
-            </a:schemeClr>
-          </a:lnRef>
-          <a:fillRef idx="1">
-            <a:schemeClr val="accent1"/>
-          </a:fillRef>
-          <a:effectRef idx="0">
-            <a:schemeClr val="accent1"/>
-          </a:effectRef>
-          <a:fontRef idx="minor">
-            <a:schemeClr val="lt1"/>
-          </a:fontRef>
-        </p:style>
-        <p:txBody>
-          <a:bodyPr rtlCol="0" anchor="ctr"/>
-          <a:lstStyle/>
-          <a:p>
-            <a:pPr algn="ctr"/>
-            <a:r>
-              <a:rPr lang="en-US" dirty="0"/>
-              <a:t>        y</a:t>
-            </a:r>
-          </a:p>
-        </p:txBody>
-      </p:sp>
+      <mc:AlternateContent xmlns:mc="http://schemas.openxmlformats.org/markup-compatibility/2006" xmlns:a14="http://schemas.microsoft.com/office/drawing/2010/main">
+        <mc:Choice Requires="a14">
+          <p:sp>
+            <p:nvSpPr>
+              <p:cNvPr id="6" name="Rectangle 5">
+                <a:extLst>
+                  <a:ext uri="{FF2B5EF4-FFF2-40B4-BE49-F238E27FC236}">
+                    <a16:creationId xmlns:a16="http://schemas.microsoft.com/office/drawing/2014/main" id="{F500C8CF-93B4-DA61-B486-60CA5DCBA509}"/>
+                  </a:ext>
+                </a:extLst>
+              </p:cNvPr>
+              <p:cNvSpPr/>
+              <p:nvPr/>
+            </p:nvSpPr>
+            <p:spPr>
+              <a:xfrm>
+                <a:off x="674556" y="4182784"/>
+                <a:ext cx="6475753" cy="289597"/>
+              </a:xfrm>
+              <a:prstGeom prst="rect">
+                <a:avLst/>
+              </a:prstGeom>
+            </p:spPr>
+            <p:style>
+              <a:lnRef idx="2">
+                <a:schemeClr val="accent1">
+                  <a:shade val="50000"/>
+                </a:schemeClr>
+              </a:lnRef>
+              <a:fillRef idx="1">
+                <a:schemeClr val="accent1"/>
+              </a:fillRef>
+              <a:effectRef idx="0">
+                <a:schemeClr val="accent1"/>
+              </a:effectRef>
+              <a:fontRef idx="minor">
+                <a:schemeClr val="lt1"/>
+              </a:fontRef>
+            </p:style>
+            <p:txBody>
+              <a:bodyPr rtlCol="0" anchor="ctr"/>
+              <a:lstStyle/>
+              <a:p>
+                <a:pPr algn="ctr"/>
+                <a:r>
+                  <a:rPr lang="en-US" dirty="0"/>
+                  <a:t> </a:t>
+                </a:r>
+                <a14:m>
+                  <m:oMath xmlns:m="http://schemas.openxmlformats.org/officeDocument/2006/math">
+                    <m:r>
+                      <a:rPr lang="en-CA" i="1">
+                        <a:latin typeface="Cambria Math" panose="02040503050406030204" pitchFamily="18" charset="0"/>
+                      </a:rPr>
+                      <m:t>𝑦</m:t>
+                    </m:r>
+                  </m:oMath>
+                </a14:m>
+                <a:endParaRPr lang="en-US" dirty="0"/>
+              </a:p>
+            </p:txBody>
+          </p:sp>
+        </mc:Choice>
+        <mc:Fallback xmlns="">
+          <p:sp>
+            <p:nvSpPr>
+              <p:cNvPr id="6" name="Rectangle 5">
+                <a:extLst>
+                  <a:ext uri="{FF2B5EF4-FFF2-40B4-BE49-F238E27FC236}">
+                    <a16:creationId xmlns:a16="http://schemas.microsoft.com/office/drawing/2014/main" id="{F500C8CF-93B4-DA61-B486-60CA5DCBA509}"/>
+                  </a:ext>
+                </a:extLst>
+              </p:cNvPr>
+              <p:cNvSpPr>
+                <a:spLocks noRot="1" noChangeAspect="1" noMove="1" noResize="1" noEditPoints="1" noAdjustHandles="1" noChangeArrowheads="1" noChangeShapeType="1" noTextEdit="1"/>
+              </p:cNvSpPr>
+              <p:nvPr/>
+            </p:nvSpPr>
+            <p:spPr>
+              <a:xfrm>
+                <a:off x="674556" y="4182784"/>
+                <a:ext cx="6475753" cy="289597"/>
+              </a:xfrm>
+              <a:prstGeom prst="rect">
+                <a:avLst/>
+              </a:prstGeom>
+              <a:blipFill>
+                <a:blip r:embed="rId2"/>
+                <a:stretch>
+                  <a:fillRect b="-20000"/>
+                </a:stretch>
+              </a:blipFill>
+            </p:spPr>
+            <p:txBody>
+              <a:bodyPr/>
+              <a:lstStyle/>
+              <a:p>
+                <a:r>
+                  <a:rPr lang="en-US">
+                    <a:noFill/>
+                  </a:rPr>
+                  <a:t> </a:t>
+                </a:r>
+              </a:p>
+            </p:txBody>
+          </p:sp>
+        </mc:Fallback>
+      </mc:AlternateContent>
       <p:sp>
         <p:nvSpPr>
           <p:cNvPr id="7" name="TextBox 6">
@@ -9878,7 +10829,7 @@
                 <a:avLst/>
               </a:prstGeom>
               <a:blipFill>
-                <a:blip r:embed="rId2"/>
+                <a:blip r:embed="rId3"/>
                 <a:stretch>
                   <a:fillRect t="-8000" b="-20000"/>
                 </a:stretch>
@@ -9935,6 +10886,117 @@
           </a:p>
         </p:txBody>
       </p:sp>
+      <p:sp>
+        <p:nvSpPr>
+          <p:cNvPr id="8" name="TextBox 7">
+            <a:extLst>
+              <a:ext uri="{FF2B5EF4-FFF2-40B4-BE49-F238E27FC236}">
+                <a16:creationId xmlns:a16="http://schemas.microsoft.com/office/drawing/2014/main" id="{1F5E5070-EB2B-5FC5-10B4-3BF7A54E96FD}"/>
+              </a:ext>
+            </a:extLst>
+          </p:cNvPr>
+          <p:cNvSpPr txBox="1"/>
+          <p:nvPr/>
+        </p:nvSpPr>
+        <p:spPr>
+          <a:xfrm>
+            <a:off x="5531372" y="2376398"/>
+            <a:ext cx="4434562" cy="1477328"/>
+          </a:xfrm>
+          <a:prstGeom prst="rect">
+            <a:avLst/>
+          </a:prstGeom>
+          <a:noFill/>
+          <a:ln>
+            <a:noFill/>
+          </a:ln>
+        </p:spPr>
+        <p:txBody>
+          <a:bodyPr wrap="square" rtlCol="0">
+            <a:spAutoFit/>
+          </a:bodyPr>
+          <a:lstStyle/>
+          <a:p>
+            <a:r>
+              <a:rPr lang="en-US" dirty="0"/>
+              <a:t>Model derivation can include multiple steps:</a:t>
+            </a:r>
+          </a:p>
+          <a:p>
+            <a:pPr marL="285750" indent="-285750">
+              <a:buFont typeface="Arial" panose="020B0604020202020204" pitchFamily="34" charset="0"/>
+              <a:buChar char="•"/>
+            </a:pPr>
+            <a:r>
+              <a:rPr lang="en-US" dirty="0"/>
+              <a:t>Differential expression</a:t>
+            </a:r>
+          </a:p>
+          <a:p>
+            <a:pPr marL="285750" indent="-285750">
+              <a:buFont typeface="Arial" panose="020B0604020202020204" pitchFamily="34" charset="0"/>
+              <a:buChar char="•"/>
+            </a:pPr>
+            <a:r>
+              <a:rPr lang="en-US" i="1" dirty="0"/>
+              <a:t>a priori </a:t>
+            </a:r>
+            <a:r>
+              <a:rPr lang="en-US" dirty="0"/>
+              <a:t>candidates</a:t>
+            </a:r>
+          </a:p>
+          <a:p>
+            <a:pPr marL="285750" indent="-285750">
+              <a:buFont typeface="Arial" panose="020B0604020202020204" pitchFamily="34" charset="0"/>
+              <a:buChar char="•"/>
+            </a:pPr>
+            <a:r>
+              <a:rPr lang="en-US" dirty="0"/>
+              <a:t>Machine learning algorithms</a:t>
+            </a:r>
+          </a:p>
+          <a:p>
+            <a:endParaRPr lang="en-US" dirty="0"/>
+          </a:p>
+        </p:txBody>
+      </p:sp>
+      <p:cxnSp>
+        <p:nvCxnSpPr>
+          <p:cNvPr id="16" name="Straight Connector 15">
+            <a:extLst>
+              <a:ext uri="{FF2B5EF4-FFF2-40B4-BE49-F238E27FC236}">
+                <a16:creationId xmlns:a16="http://schemas.microsoft.com/office/drawing/2014/main" id="{7CA9347C-4989-029D-C8DC-936D03F059A1}"/>
+              </a:ext>
+            </a:extLst>
+          </p:cNvPr>
+          <p:cNvCxnSpPr/>
+          <p:nvPr/>
+        </p:nvCxnSpPr>
+        <p:spPr>
+          <a:xfrm flipH="1" flipV="1">
+            <a:off x="3934918" y="3111289"/>
+            <a:ext cx="1596454" cy="3773"/>
+          </a:xfrm>
+          <a:prstGeom prst="line">
+            <a:avLst/>
+          </a:prstGeom>
+        </p:spPr>
+        <p:style>
+          <a:lnRef idx="1">
+            <a:schemeClr val="accent1"/>
+          </a:lnRef>
+          <a:fillRef idx="0">
+            <a:schemeClr val="accent1"/>
+          </a:fillRef>
+          <a:effectRef idx="0">
+            <a:schemeClr val="accent1"/>
+          </a:effectRef>
+          <a:fontRef idx="minor">
+            <a:schemeClr val="tx1"/>
+          </a:fontRef>
+        </p:style>
+      </p:cxnSp>
     </p:spTree>
     <p:extLst>
       <p:ext uri="{BB962C8B-B14F-4D97-AF65-F5344CB8AC3E}">
@@ -10609,55 +11671,114 @@
           </a:p>
         </p:txBody>
       </p:sp>
-      <p:sp>
-        <p:nvSpPr>
-          <p:cNvPr id="6" name="Rectangle 5">
-            <a:extLst>
-              <a:ext uri="{FF2B5EF4-FFF2-40B4-BE49-F238E27FC236}">
-                <a16:creationId xmlns:a16="http://schemas.microsoft.com/office/drawing/2014/main" id="{F500C8CF-93B4-DA61-B486-60CA5DCBA509}"/>
-              </a:ext>
-            </a:extLst>
-          </p:cNvPr>
-          <p:cNvSpPr/>
-          <p:nvPr/>
-        </p:nvSpPr>
-        <p:spPr>
-          <a:xfrm>
-            <a:off x="674556" y="4182784"/>
-            <a:ext cx="6475753" cy="289597"/>
-          </a:xfrm>
-          <a:prstGeom prst="rect">
-            <a:avLst/>
-          </a:prstGeom>
-        </p:spPr>
-        <p:style>
-          <a:lnRef idx="2">
-            <a:schemeClr val="accent1">
-              <a:shade val="50000"/>
-            </a:schemeClr>
-          </a:lnRef>
-          <a:fillRef idx="1">
-            <a:schemeClr val="accent1"/>
-          </a:fillRef>
-          <a:effectRef idx="0">
-            <a:schemeClr val="accent1"/>
-          </a:effectRef>
-          <a:fontRef idx="minor">
-            <a:schemeClr val="lt1"/>
-          </a:fontRef>
-        </p:style>
-        <p:txBody>
-          <a:bodyPr rtlCol="0" anchor="ctr"/>
-          <a:lstStyle/>
-          <a:p>
-            <a:pPr algn="ctr"/>
-            <a:r>
-              <a:rPr lang="en-US" dirty="0"/>
-              <a:t>        y</a:t>
-            </a:r>
-          </a:p>
-        </p:txBody>
-      </p:sp>
+      <mc:AlternateContent xmlns:mc="http://schemas.openxmlformats.org/markup-compatibility/2006" xmlns:a14="http://schemas.microsoft.com/office/drawing/2010/main">
+        <mc:Choice Requires="a14">
+          <p:sp>
+            <p:nvSpPr>
+              <p:cNvPr id="6" name="Rectangle 5">
+                <a:extLst>
+                  <a:ext uri="{FF2B5EF4-FFF2-40B4-BE49-F238E27FC236}">
+                    <a16:creationId xmlns:a16="http://schemas.microsoft.com/office/drawing/2014/main" id="{F500C8CF-93B4-DA61-B486-60CA5DCBA509}"/>
+                  </a:ext>
+                </a:extLst>
+              </p:cNvPr>
+              <p:cNvSpPr/>
+              <p:nvPr/>
+            </p:nvSpPr>
+            <p:spPr>
+              <a:xfrm>
+                <a:off x="674556" y="4182784"/>
+                <a:ext cx="6475753" cy="289597"/>
+              </a:xfrm>
+              <a:prstGeom prst="rect">
+                <a:avLst/>
+              </a:prstGeom>
+            </p:spPr>
+            <p:style>
+              <a:lnRef idx="2">
+                <a:schemeClr val="accent1">
+                  <a:shade val="50000"/>
+                </a:schemeClr>
+              </a:lnRef>
+              <a:fillRef idx="1">
+                <a:schemeClr val="accent1"/>
+              </a:fillRef>
+              <a:effectRef idx="0">
+                <a:schemeClr val="accent1"/>
+              </a:effectRef>
+              <a:fontRef idx="minor">
+                <a:schemeClr val="lt1"/>
+              </a:fontRef>
+            </p:style>
+            <p:txBody>
+              <a:bodyPr rtlCol="0" anchor="ctr"/>
+              <a:lstStyle/>
+              <a:p>
+                <a:pPr algn="ctr"/>
+                <a:r>
+                  <a:rPr lang="en-US" dirty="0"/>
+                  <a:t> </a:t>
+                </a:r>
+                <a14:m>
+                  <m:oMath xmlns:m="http://schemas.openxmlformats.org/officeDocument/2006/math">
+                    <m:r>
+                      <a:rPr lang="en-CA" i="1">
+                        <a:latin typeface="Cambria Math" panose="02040503050406030204" pitchFamily="18" charset="0"/>
+                      </a:rPr>
+                      <m:t>𝑦</m:t>
+                    </m:r>
+                  </m:oMath>
+                </a14:m>
+                <a:endParaRPr lang="en-US" dirty="0"/>
+              </a:p>
+            </p:txBody>
+          </p:sp>
+        </mc:Choice>
+        <mc:Fallback xmlns="">
+          <p:sp>
+            <p:nvSpPr>
+              <p:cNvPr id="6" name="Rectangle 5">
+                <a:extLst>
+                  <a:ext uri="{FF2B5EF4-FFF2-40B4-BE49-F238E27FC236}">
+                    <a16:creationId xmlns:a16="http://schemas.microsoft.com/office/drawing/2014/main" id="{F500C8CF-93B4-DA61-B486-60CA5DCBA509}"/>
+                  </a:ext>
+                </a:extLst>
+              </p:cNvPr>
+              <p:cNvSpPr>
+                <a:spLocks noRot="1" noChangeAspect="1" noMove="1" noResize="1" noEditPoints="1" noAdjustHandles="1" noChangeArrowheads="1" noChangeShapeType="1" noTextEdit="1"/>
+              </p:cNvSpPr>
+              <p:nvPr/>
+            </p:nvSpPr>
+            <p:spPr>
+              <a:xfrm>
+                <a:off x="674556" y="4182784"/>
+                <a:ext cx="6475753" cy="289597"/>
+              </a:xfrm>
+              <a:prstGeom prst="rect">
+                <a:avLst/>
+              </a:prstGeom>
+              <a:blipFill>
+                <a:blip r:embed="rId2"/>
+                <a:stretch>
+                  <a:fillRect b="-20000"/>
+                </a:stretch>
+              </a:blipFill>
+            </p:spPr>
+            <p:txBody>
+              <a:bodyPr/>
+              <a:lstStyle/>
+              <a:p>
+                <a:r>
+                  <a:rPr lang="en-US">
+                    <a:noFill/>
+                  </a:rPr>
+                  <a:t> </a:t>
+                </a:r>
+              </a:p>
+            </p:txBody>
+          </p:sp>
+        </mc:Fallback>
+      </mc:AlternateContent>
       <p:sp>
         <p:nvSpPr>
           <p:cNvPr id="7" name="TextBox 6">
@@ -10706,17 +11827,18 @@
           <p:cNvCxnSpPr>
             <a:cxnSpLocks/>
             <a:stCxn id="18" idx="2"/>
+            <a:endCxn id="5" idx="0"/>
           </p:cNvCxnSpPr>
           <p:nvPr/>
         </p:nvCxnSpPr>
         <p:spPr>
           <a:xfrm rot="5400000">
-            <a:off x="3673428" y="2062813"/>
-            <a:ext cx="1309969" cy="786981"/>
+            <a:off x="3384865" y="1459458"/>
+            <a:ext cx="995177" cy="1678898"/>
           </a:xfrm>
           <a:prstGeom prst="bentConnector3">
             <a:avLst>
-              <a:gd name="adj1" fmla="val 100350"/>
+              <a:gd name="adj1" fmla="val 50000"/>
             </a:avLst>
           </a:prstGeom>
           <a:ln>
@@ -10843,7 +11965,7 @@
                 <a:avLst/>
               </a:prstGeom>
               <a:blipFill>
-                <a:blip r:embed="rId2"/>
+                <a:blip r:embed="rId3"/>
                 <a:stretch>
                   <a:fillRect t="-8000" b="-20000"/>
                 </a:stretch>
@@ -10900,6 +12022,159 @@
           </a:p>
         </p:txBody>
       </p:sp>
+      <p:sp>
+        <p:nvSpPr>
+          <p:cNvPr id="14" name="TextBox 13">
+            <a:extLst>
+              <a:ext uri="{FF2B5EF4-FFF2-40B4-BE49-F238E27FC236}">
+                <a16:creationId xmlns:a16="http://schemas.microsoft.com/office/drawing/2014/main" id="{658137AA-7180-4BD0-C1FF-B9D7D406C471}"/>
+              </a:ext>
+            </a:extLst>
+          </p:cNvPr>
+          <p:cNvSpPr txBox="1"/>
+          <p:nvPr/>
+        </p:nvSpPr>
+        <p:spPr>
+          <a:xfrm>
+            <a:off x="5531372" y="2376398"/>
+            <a:ext cx="4434562" cy="1477328"/>
+          </a:xfrm>
+          <a:prstGeom prst="rect">
+            <a:avLst/>
+          </a:prstGeom>
+          <a:noFill/>
+          <a:ln>
+            <a:noFill/>
+          </a:ln>
+        </p:spPr>
+        <p:txBody>
+          <a:bodyPr wrap="square" rtlCol="0">
+            <a:spAutoFit/>
+          </a:bodyPr>
+          <a:lstStyle/>
+          <a:p>
+            <a:r>
+              <a:rPr lang="en-US" dirty="0"/>
+              <a:t>Model derivation can include multiple steps:</a:t>
+            </a:r>
+          </a:p>
+          <a:p>
+            <a:pPr marL="285750" indent="-285750">
+              <a:buFont typeface="Arial" panose="020B0604020202020204" pitchFamily="34" charset="0"/>
+              <a:buChar char="•"/>
+            </a:pPr>
+            <a:r>
+              <a:rPr lang="en-US" dirty="0"/>
+              <a:t>Differential expression</a:t>
+            </a:r>
+          </a:p>
+          <a:p>
+            <a:pPr marL="285750" indent="-285750">
+              <a:buFont typeface="Arial" panose="020B0604020202020204" pitchFamily="34" charset="0"/>
+              <a:buChar char="•"/>
+            </a:pPr>
+            <a:r>
+              <a:rPr lang="en-US" i="1" dirty="0"/>
+              <a:t>a priori </a:t>
+            </a:r>
+            <a:r>
+              <a:rPr lang="en-US" dirty="0"/>
+              <a:t>candidates</a:t>
+            </a:r>
+          </a:p>
+          <a:p>
+            <a:pPr marL="285750" indent="-285750">
+              <a:buFont typeface="Arial" panose="020B0604020202020204" pitchFamily="34" charset="0"/>
+              <a:buChar char="•"/>
+            </a:pPr>
+            <a:r>
+              <a:rPr lang="en-US" dirty="0"/>
+              <a:t>Machine learning algorithms</a:t>
+            </a:r>
+          </a:p>
+          <a:p>
+            <a:endParaRPr lang="en-US" dirty="0"/>
+          </a:p>
+        </p:txBody>
+      </p:sp>
+      <p:cxnSp>
+        <p:nvCxnSpPr>
+          <p:cNvPr id="23" name="Straight Connector 22">
+            <a:extLst>
+              <a:ext uri="{FF2B5EF4-FFF2-40B4-BE49-F238E27FC236}">
+                <a16:creationId xmlns:a16="http://schemas.microsoft.com/office/drawing/2014/main" id="{4E49E2E5-0D24-76C2-DF93-54225F0E7ECB}"/>
+              </a:ext>
+            </a:extLst>
+          </p:cNvPr>
+          <p:cNvCxnSpPr/>
+          <p:nvPr/>
+        </p:nvCxnSpPr>
+        <p:spPr>
+          <a:xfrm flipH="1" flipV="1">
+            <a:off x="3934918" y="3111289"/>
+            <a:ext cx="1596454" cy="3773"/>
+          </a:xfrm>
+          <a:prstGeom prst="line">
+            <a:avLst/>
+          </a:prstGeom>
+        </p:spPr>
+        <p:style>
+          <a:lnRef idx="1">
+            <a:schemeClr val="accent1"/>
+          </a:lnRef>
+          <a:fillRef idx="0">
+            <a:schemeClr val="accent1"/>
+          </a:fillRef>
+          <a:effectRef idx="0">
+            <a:schemeClr val="accent1"/>
+          </a:effectRef>
+          <a:fontRef idx="minor">
+            <a:schemeClr val="tx1"/>
+          </a:fontRef>
+        </p:style>
+      </p:cxnSp>
+      <p:cxnSp>
+        <p:nvCxnSpPr>
+          <p:cNvPr id="16" name="Elbow Connector 15">
+            <a:extLst>
+              <a:ext uri="{FF2B5EF4-FFF2-40B4-BE49-F238E27FC236}">
+                <a16:creationId xmlns:a16="http://schemas.microsoft.com/office/drawing/2014/main" id="{186926EA-D04F-9A97-5837-BFCF27783A54}"/>
+              </a:ext>
+            </a:extLst>
+          </p:cNvPr>
+          <p:cNvCxnSpPr>
+            <a:stCxn id="5" idx="2"/>
+            <a:endCxn id="20" idx="1"/>
+          </p:cNvCxnSpPr>
+          <p:nvPr/>
+        </p:nvCxnSpPr>
+        <p:spPr>
+          <a:xfrm rot="16200000" flipH="1">
+            <a:off x="3273745" y="3195341"/>
+            <a:ext cx="430433" cy="891914"/>
+          </a:xfrm>
+          <a:prstGeom prst="bentConnector2">
+            <a:avLst/>
+          </a:prstGeom>
+          <a:ln>
+            <a:tailEnd type="triangle"/>
+          </a:ln>
+        </p:spPr>
+        <p:style>
+          <a:lnRef idx="1">
+            <a:schemeClr val="accent1"/>
+          </a:lnRef>
+          <a:fillRef idx="0">
+            <a:schemeClr val="accent1"/>
+          </a:fillRef>
+          <a:effectRef idx="0">
+            <a:schemeClr val="accent1"/>
+          </a:effectRef>
+          <a:fontRef idx="minor">
+            <a:schemeClr val="tx1"/>
+          </a:fontRef>
+        </p:style>
+      </p:cxnSp>
     </p:spTree>
     <p:extLst>
       <p:ext uri="{BB962C8B-B14F-4D97-AF65-F5344CB8AC3E}">
@@ -11474,55 +12749,114 @@
           </a:p>
         </p:txBody>
       </p:sp>
-      <p:sp>
-        <p:nvSpPr>
-          <p:cNvPr id="6" name="Rectangle 5">
-            <a:extLst>
-              <a:ext uri="{FF2B5EF4-FFF2-40B4-BE49-F238E27FC236}">
-                <a16:creationId xmlns:a16="http://schemas.microsoft.com/office/drawing/2014/main" id="{F500C8CF-93B4-DA61-B486-60CA5DCBA509}"/>
-              </a:ext>
-            </a:extLst>
-          </p:cNvPr>
-          <p:cNvSpPr/>
-          <p:nvPr/>
-        </p:nvSpPr>
-        <p:spPr>
-          <a:xfrm>
-            <a:off x="674556" y="4182784"/>
-            <a:ext cx="6475753" cy="289597"/>
-          </a:xfrm>
-          <a:prstGeom prst="rect">
-            <a:avLst/>
-          </a:prstGeom>
-        </p:spPr>
-        <p:style>
-          <a:lnRef idx="2">
-            <a:schemeClr val="accent1">
-              <a:shade val="50000"/>
-            </a:schemeClr>
-          </a:lnRef>
-          <a:fillRef idx="1">
-            <a:schemeClr val="accent1"/>
-          </a:fillRef>
-          <a:effectRef idx="0">
-            <a:schemeClr val="accent1"/>
-          </a:effectRef>
-          <a:fontRef idx="minor">
-            <a:schemeClr val="lt1"/>
-          </a:fontRef>
-        </p:style>
-        <p:txBody>
-          <a:bodyPr rtlCol="0" anchor="ctr"/>
-          <a:lstStyle/>
-          <a:p>
-            <a:pPr algn="ctr"/>
-            <a:r>
-              <a:rPr lang="en-US" dirty="0"/>
-              <a:t>        y</a:t>
-            </a:r>
-          </a:p>
-        </p:txBody>
-      </p:sp>
+      <mc:AlternateContent xmlns:mc="http://schemas.openxmlformats.org/markup-compatibility/2006" xmlns:a14="http://schemas.microsoft.com/office/drawing/2010/main">
+        <mc:Choice Requires="a14">
+          <p:sp>
+            <p:nvSpPr>
+              <p:cNvPr id="6" name="Rectangle 5">
+                <a:extLst>
+                  <a:ext uri="{FF2B5EF4-FFF2-40B4-BE49-F238E27FC236}">
+                    <a16:creationId xmlns:a16="http://schemas.microsoft.com/office/drawing/2014/main" id="{F500C8CF-93B4-DA61-B486-60CA5DCBA509}"/>
+                  </a:ext>
+                </a:extLst>
+              </p:cNvPr>
+              <p:cNvSpPr/>
+              <p:nvPr/>
+            </p:nvSpPr>
+            <p:spPr>
+              <a:xfrm>
+                <a:off x="674556" y="4182784"/>
+                <a:ext cx="6475753" cy="289597"/>
+              </a:xfrm>
+              <a:prstGeom prst="rect">
+                <a:avLst/>
+              </a:prstGeom>
+            </p:spPr>
+            <p:style>
+              <a:lnRef idx="2">
+                <a:schemeClr val="accent1">
+                  <a:shade val="50000"/>
+                </a:schemeClr>
+              </a:lnRef>
+              <a:fillRef idx="1">
+                <a:schemeClr val="accent1"/>
+              </a:fillRef>
+              <a:effectRef idx="0">
+                <a:schemeClr val="accent1"/>
+              </a:effectRef>
+              <a:fontRef idx="minor">
+                <a:schemeClr val="lt1"/>
+              </a:fontRef>
+            </p:style>
+            <p:txBody>
+              <a:bodyPr rtlCol="0" anchor="ctr"/>
+              <a:lstStyle/>
+              <a:p>
+                <a:pPr algn="ctr"/>
+                <a:r>
+                  <a:rPr lang="en-US" dirty="0"/>
+                  <a:t> </a:t>
+                </a:r>
+                <a14:m>
+                  <m:oMath xmlns:m="http://schemas.openxmlformats.org/officeDocument/2006/math">
+                    <m:r>
+                      <a:rPr lang="en-CA" i="1">
+                        <a:latin typeface="Cambria Math" panose="02040503050406030204" pitchFamily="18" charset="0"/>
+                      </a:rPr>
+                      <m:t>𝑦</m:t>
+                    </m:r>
+                  </m:oMath>
+                </a14:m>
+                <a:endParaRPr lang="en-US" dirty="0"/>
+              </a:p>
+            </p:txBody>
+          </p:sp>
+        </mc:Choice>
+        <mc:Fallback xmlns="">
+          <p:sp>
+            <p:nvSpPr>
+              <p:cNvPr id="6" name="Rectangle 5">
+                <a:extLst>
+                  <a:ext uri="{FF2B5EF4-FFF2-40B4-BE49-F238E27FC236}">
+                    <a16:creationId xmlns:a16="http://schemas.microsoft.com/office/drawing/2014/main" id="{F500C8CF-93B4-DA61-B486-60CA5DCBA509}"/>
+                  </a:ext>
+                </a:extLst>
+              </p:cNvPr>
+              <p:cNvSpPr>
+                <a:spLocks noRot="1" noChangeAspect="1" noMove="1" noResize="1" noEditPoints="1" noAdjustHandles="1" noChangeArrowheads="1" noChangeShapeType="1" noTextEdit="1"/>
+              </p:cNvSpPr>
+              <p:nvPr/>
+            </p:nvSpPr>
+            <p:spPr>
+              <a:xfrm>
+                <a:off x="674556" y="4182784"/>
+                <a:ext cx="6475753" cy="289597"/>
+              </a:xfrm>
+              <a:prstGeom prst="rect">
+                <a:avLst/>
+              </a:prstGeom>
+              <a:blipFill>
+                <a:blip r:embed="rId2"/>
+                <a:stretch>
+                  <a:fillRect b="-20000"/>
+                </a:stretch>
+              </a:blipFill>
+            </p:spPr>
+            <p:txBody>
+              <a:bodyPr/>
+              <a:lstStyle/>
+              <a:p>
+                <a:r>
+                  <a:rPr lang="en-US">
+                    <a:noFill/>
+                  </a:rPr>
+                  <a:t> </a:t>
+                </a:r>
+              </a:p>
+            </p:txBody>
+          </p:sp>
+        </mc:Fallback>
+      </mc:AlternateContent>
       <p:sp>
         <p:nvSpPr>
           <p:cNvPr id="7" name="TextBox 6">
@@ -11746,7 +13080,7 @@
                 <a:avLst/>
               </a:prstGeom>
               <a:blipFill>
-                <a:blip r:embed="rId2"/>
+                <a:blip r:embed="rId3"/>
                 <a:stretch>
                   <a:fillRect t="-8000" b="-20000"/>
                 </a:stretch>
@@ -11803,6 +13137,117 @@
           </a:p>
         </p:txBody>
       </p:sp>
+      <p:sp>
+        <p:nvSpPr>
+          <p:cNvPr id="3" name="TextBox 2">
+            <a:extLst>
+              <a:ext uri="{FF2B5EF4-FFF2-40B4-BE49-F238E27FC236}">
+                <a16:creationId xmlns:a16="http://schemas.microsoft.com/office/drawing/2014/main" id="{68A48AC5-F072-027E-AFBA-DA5FE31BE6C1}"/>
+              </a:ext>
+            </a:extLst>
+          </p:cNvPr>
+          <p:cNvSpPr txBox="1"/>
+          <p:nvPr/>
+        </p:nvSpPr>
+        <p:spPr>
+          <a:xfrm>
+            <a:off x="5531372" y="2376398"/>
+            <a:ext cx="4434562" cy="1477328"/>
+          </a:xfrm>
+          <a:prstGeom prst="rect">
+            <a:avLst/>
+          </a:prstGeom>
+          <a:noFill/>
+          <a:ln>
+            <a:noFill/>
+          </a:ln>
+        </p:spPr>
+        <p:txBody>
+          <a:bodyPr wrap="square" rtlCol="0">
+            <a:spAutoFit/>
+          </a:bodyPr>
+          <a:lstStyle/>
+          <a:p>
+            <a:r>
+              <a:rPr lang="en-US" dirty="0"/>
+              <a:t>Model derivation can include multiple steps:</a:t>
+            </a:r>
+          </a:p>
+          <a:p>
+            <a:pPr marL="285750" indent="-285750">
+              <a:buFont typeface="Arial" panose="020B0604020202020204" pitchFamily="34" charset="0"/>
+              <a:buChar char="•"/>
+            </a:pPr>
+            <a:r>
+              <a:rPr lang="en-US" dirty="0"/>
+              <a:t>Differential expression</a:t>
+            </a:r>
+          </a:p>
+          <a:p>
+            <a:pPr marL="285750" indent="-285750">
+              <a:buFont typeface="Arial" panose="020B0604020202020204" pitchFamily="34" charset="0"/>
+              <a:buChar char="•"/>
+            </a:pPr>
+            <a:r>
+              <a:rPr lang="en-US" i="1" dirty="0"/>
+              <a:t>a priori </a:t>
+            </a:r>
+            <a:r>
+              <a:rPr lang="en-US" dirty="0"/>
+              <a:t>candidates</a:t>
+            </a:r>
+          </a:p>
+          <a:p>
+            <a:pPr marL="285750" indent="-285750">
+              <a:buFont typeface="Arial" panose="020B0604020202020204" pitchFamily="34" charset="0"/>
+              <a:buChar char="•"/>
+            </a:pPr>
+            <a:r>
+              <a:rPr lang="en-US" dirty="0"/>
+              <a:t>Machine learning algorithms</a:t>
+            </a:r>
+          </a:p>
+          <a:p>
+            <a:endParaRPr lang="en-US" dirty="0"/>
+          </a:p>
+        </p:txBody>
+      </p:sp>
+      <p:cxnSp>
+        <p:nvCxnSpPr>
+          <p:cNvPr id="8" name="Straight Connector 7">
+            <a:extLst>
+              <a:ext uri="{FF2B5EF4-FFF2-40B4-BE49-F238E27FC236}">
+                <a16:creationId xmlns:a16="http://schemas.microsoft.com/office/drawing/2014/main" id="{B3B0EF61-2011-3EA2-7985-554C2E306BF8}"/>
+              </a:ext>
+            </a:extLst>
+          </p:cNvPr>
+          <p:cNvCxnSpPr/>
+          <p:nvPr/>
+        </p:nvCxnSpPr>
+        <p:spPr>
+          <a:xfrm flipH="1" flipV="1">
+            <a:off x="3934918" y="3111289"/>
+            <a:ext cx="1596454" cy="3773"/>
+          </a:xfrm>
+          <a:prstGeom prst="line">
+            <a:avLst/>
+          </a:prstGeom>
+        </p:spPr>
+        <p:style>
+          <a:lnRef idx="1">
+            <a:schemeClr val="accent1"/>
+          </a:lnRef>
+          <a:fillRef idx="0">
+            <a:schemeClr val="accent1"/>
+          </a:fillRef>
+          <a:effectRef idx="0">
+            <a:schemeClr val="accent1"/>
+          </a:effectRef>
+          <a:fontRef idx="minor">
+            <a:schemeClr val="tx1"/>
+          </a:fontRef>
+        </p:style>
+      </p:cxnSp>
     </p:spTree>
     <p:extLst>
       <p:ext uri="{BB962C8B-B14F-4D97-AF65-F5344CB8AC3E}">
@@ -12377,55 +13822,114 @@
           </a:p>
         </p:txBody>
       </p:sp>
-      <p:sp>
-        <p:nvSpPr>
-          <p:cNvPr id="6" name="Rectangle 5">
-            <a:extLst>
-              <a:ext uri="{FF2B5EF4-FFF2-40B4-BE49-F238E27FC236}">
-                <a16:creationId xmlns:a16="http://schemas.microsoft.com/office/drawing/2014/main" id="{F500C8CF-93B4-DA61-B486-60CA5DCBA509}"/>
-              </a:ext>
-            </a:extLst>
-          </p:cNvPr>
-          <p:cNvSpPr/>
-          <p:nvPr/>
-        </p:nvSpPr>
-        <p:spPr>
-          <a:xfrm>
-            <a:off x="674556" y="4182784"/>
-            <a:ext cx="6475753" cy="289597"/>
-          </a:xfrm>
-          <a:prstGeom prst="rect">
-            <a:avLst/>
-          </a:prstGeom>
-        </p:spPr>
-        <p:style>
-          <a:lnRef idx="2">
-            <a:schemeClr val="accent1">
-              <a:shade val="50000"/>
-            </a:schemeClr>
-          </a:lnRef>
-          <a:fillRef idx="1">
-            <a:schemeClr val="accent1"/>
-          </a:fillRef>
-          <a:effectRef idx="0">
-            <a:schemeClr val="accent1"/>
-          </a:effectRef>
-          <a:fontRef idx="minor">
-            <a:schemeClr val="lt1"/>
-          </a:fontRef>
-        </p:style>
-        <p:txBody>
-          <a:bodyPr rtlCol="0" anchor="ctr"/>
-          <a:lstStyle/>
-          <a:p>
-            <a:pPr algn="ctr"/>
-            <a:r>
-              <a:rPr lang="en-US" dirty="0"/>
-              <a:t>        y</a:t>
-            </a:r>
-          </a:p>
-        </p:txBody>
-      </p:sp>
+      <mc:AlternateContent xmlns:mc="http://schemas.openxmlformats.org/markup-compatibility/2006" xmlns:a14="http://schemas.microsoft.com/office/drawing/2010/main">
+        <mc:Choice Requires="a14">
+          <p:sp>
+            <p:nvSpPr>
+              <p:cNvPr id="6" name="Rectangle 5">
+                <a:extLst>
+                  <a:ext uri="{FF2B5EF4-FFF2-40B4-BE49-F238E27FC236}">
+                    <a16:creationId xmlns:a16="http://schemas.microsoft.com/office/drawing/2014/main" id="{F500C8CF-93B4-DA61-B486-60CA5DCBA509}"/>
+                  </a:ext>
+                </a:extLst>
+              </p:cNvPr>
+              <p:cNvSpPr/>
+              <p:nvPr/>
+            </p:nvSpPr>
+            <p:spPr>
+              <a:xfrm>
+                <a:off x="674556" y="4182784"/>
+                <a:ext cx="6475753" cy="289597"/>
+              </a:xfrm>
+              <a:prstGeom prst="rect">
+                <a:avLst/>
+              </a:prstGeom>
+            </p:spPr>
+            <p:style>
+              <a:lnRef idx="2">
+                <a:schemeClr val="accent1">
+                  <a:shade val="50000"/>
+                </a:schemeClr>
+              </a:lnRef>
+              <a:fillRef idx="1">
+                <a:schemeClr val="accent1"/>
+              </a:fillRef>
+              <a:effectRef idx="0">
+                <a:schemeClr val="accent1"/>
+              </a:effectRef>
+              <a:fontRef idx="minor">
+                <a:schemeClr val="lt1"/>
+              </a:fontRef>
+            </p:style>
+            <p:txBody>
+              <a:bodyPr rtlCol="0" anchor="ctr"/>
+              <a:lstStyle/>
+              <a:p>
+                <a:pPr algn="ctr"/>
+                <a:r>
+                  <a:rPr lang="en-US" dirty="0"/>
+                  <a:t> </a:t>
+                </a:r>
+                <a14:m>
+                  <m:oMath xmlns:m="http://schemas.openxmlformats.org/officeDocument/2006/math">
+                    <m:r>
+                      <a:rPr lang="en-CA" i="1">
+                        <a:latin typeface="Cambria Math" panose="02040503050406030204" pitchFamily="18" charset="0"/>
+                      </a:rPr>
+                      <m:t>𝑦</m:t>
+                    </m:r>
+                  </m:oMath>
+                </a14:m>
+                <a:endParaRPr lang="en-US" dirty="0"/>
+              </a:p>
+            </p:txBody>
+          </p:sp>
+        </mc:Choice>
+        <mc:Fallback xmlns="">
+          <p:sp>
+            <p:nvSpPr>
+              <p:cNvPr id="6" name="Rectangle 5">
+                <a:extLst>
+                  <a:ext uri="{FF2B5EF4-FFF2-40B4-BE49-F238E27FC236}">
+                    <a16:creationId xmlns:a16="http://schemas.microsoft.com/office/drawing/2014/main" id="{F500C8CF-93B4-DA61-B486-60CA5DCBA509}"/>
+                  </a:ext>
+                </a:extLst>
+              </p:cNvPr>
+              <p:cNvSpPr>
+                <a:spLocks noRot="1" noChangeAspect="1" noMove="1" noResize="1" noEditPoints="1" noAdjustHandles="1" noChangeArrowheads="1" noChangeShapeType="1" noTextEdit="1"/>
+              </p:cNvSpPr>
+              <p:nvPr/>
+            </p:nvSpPr>
+            <p:spPr>
+              <a:xfrm>
+                <a:off x="674556" y="4182784"/>
+                <a:ext cx="6475753" cy="289597"/>
+              </a:xfrm>
+              <a:prstGeom prst="rect">
+                <a:avLst/>
+              </a:prstGeom>
+              <a:blipFill>
+                <a:blip r:embed="rId2"/>
+                <a:stretch>
+                  <a:fillRect b="-20000"/>
+                </a:stretch>
+              </a:blipFill>
+            </p:spPr>
+            <p:txBody>
+              <a:bodyPr/>
+              <a:lstStyle/>
+              <a:p>
+                <a:r>
+                  <a:rPr lang="en-US">
+                    <a:noFill/>
+                  </a:rPr>
+                  <a:t> </a:t>
+                </a:r>
+              </a:p>
+            </p:txBody>
+          </p:sp>
+        </mc:Fallback>
+      </mc:AlternateContent>
       <p:sp>
         <p:nvSpPr>
           <p:cNvPr id="7" name="TextBox 6">
@@ -12606,7 +14110,7 @@
                 <a:avLst/>
               </a:prstGeom>
               <a:blipFill>
-                <a:blip r:embed="rId2"/>
+                <a:blip r:embed="rId3"/>
                 <a:stretch>
                   <a:fillRect t="-8000" b="-20000"/>
                 </a:stretch>
@@ -12663,6 +14167,162 @@
           </a:p>
         </p:txBody>
       </p:sp>
+      <p:sp>
+        <p:nvSpPr>
+          <p:cNvPr id="14" name="TextBox 13">
+            <a:extLst>
+              <a:ext uri="{FF2B5EF4-FFF2-40B4-BE49-F238E27FC236}">
+                <a16:creationId xmlns:a16="http://schemas.microsoft.com/office/drawing/2014/main" id="{988C00D0-E40A-97B8-3092-420D203912BB}"/>
+              </a:ext>
+            </a:extLst>
+          </p:cNvPr>
+          <p:cNvSpPr txBox="1"/>
+          <p:nvPr/>
+        </p:nvSpPr>
+        <p:spPr>
+          <a:xfrm>
+            <a:off x="5531372" y="2376398"/>
+            <a:ext cx="4434562" cy="1477328"/>
+          </a:xfrm>
+          <a:prstGeom prst="rect">
+            <a:avLst/>
+          </a:prstGeom>
+          <a:noFill/>
+          <a:ln>
+            <a:noFill/>
+          </a:ln>
+        </p:spPr>
+        <p:txBody>
+          <a:bodyPr wrap="square" rtlCol="0">
+            <a:spAutoFit/>
+          </a:bodyPr>
+          <a:lstStyle/>
+          <a:p>
+            <a:r>
+              <a:rPr lang="en-US" dirty="0"/>
+              <a:t>Model derivation can include multiple steps:</a:t>
+            </a:r>
+          </a:p>
+          <a:p>
+            <a:pPr marL="285750" indent="-285750">
+              <a:buFont typeface="Arial" panose="020B0604020202020204" pitchFamily="34" charset="0"/>
+              <a:buChar char="•"/>
+            </a:pPr>
+            <a:r>
+              <a:rPr lang="en-US" dirty="0"/>
+              <a:t>Differential expression</a:t>
+            </a:r>
+          </a:p>
+          <a:p>
+            <a:pPr marL="285750" indent="-285750">
+              <a:buFont typeface="Arial" panose="020B0604020202020204" pitchFamily="34" charset="0"/>
+              <a:buChar char="•"/>
+            </a:pPr>
+            <a:r>
+              <a:rPr lang="en-US" i="1" dirty="0"/>
+              <a:t>a priori </a:t>
+            </a:r>
+            <a:r>
+              <a:rPr lang="en-US" dirty="0"/>
+              <a:t>candidates</a:t>
+            </a:r>
+          </a:p>
+          <a:p>
+            <a:pPr marL="285750" indent="-285750">
+              <a:buFont typeface="Arial" panose="020B0604020202020204" pitchFamily="34" charset="0"/>
+              <a:buChar char="•"/>
+            </a:pPr>
+            <a:r>
+              <a:rPr lang="en-US" dirty="0"/>
+              <a:t>Machine learning algorithms</a:t>
+            </a:r>
+          </a:p>
+          <a:p>
+            <a:endParaRPr lang="en-US" dirty="0"/>
+          </a:p>
+        </p:txBody>
+      </p:sp>
+      <p:cxnSp>
+        <p:nvCxnSpPr>
+          <p:cNvPr id="16" name="Straight Connector 15">
+            <a:extLst>
+              <a:ext uri="{FF2B5EF4-FFF2-40B4-BE49-F238E27FC236}">
+                <a16:creationId xmlns:a16="http://schemas.microsoft.com/office/drawing/2014/main" id="{E743B782-D95E-F8F0-8D8D-4EEE478F11F7}"/>
+              </a:ext>
+            </a:extLst>
+          </p:cNvPr>
+          <p:cNvCxnSpPr/>
+          <p:nvPr/>
+        </p:nvCxnSpPr>
+        <p:spPr>
+          <a:xfrm flipH="1" flipV="1">
+            <a:off x="3934918" y="3111289"/>
+            <a:ext cx="1596454" cy="3773"/>
+          </a:xfrm>
+          <a:prstGeom prst="line">
+            <a:avLst/>
+          </a:prstGeom>
+        </p:spPr>
+        <p:style>
+          <a:lnRef idx="1">
+            <a:schemeClr val="accent1"/>
+          </a:lnRef>
+          <a:fillRef idx="0">
+            <a:schemeClr val="accent1"/>
+          </a:fillRef>
+          <a:effectRef idx="0">
+            <a:schemeClr val="accent1"/>
+          </a:effectRef>
+          <a:fontRef idx="minor">
+            <a:schemeClr val="tx1"/>
+          </a:fontRef>
+        </p:style>
+      </p:cxnSp>
+      <p:cxnSp>
+        <p:nvCxnSpPr>
+          <p:cNvPr id="22" name="Elbow Connector 21">
+            <a:extLst>
+              <a:ext uri="{FF2B5EF4-FFF2-40B4-BE49-F238E27FC236}">
+                <a16:creationId xmlns:a16="http://schemas.microsoft.com/office/drawing/2014/main" id="{DF137DFE-B505-E615-C824-A5BCD67E78B0}"/>
+              </a:ext>
+            </a:extLst>
+          </p:cNvPr>
+          <p:cNvCxnSpPr>
+            <a:stCxn id="5" idx="2"/>
+            <a:endCxn id="4" idx="1"/>
+          </p:cNvCxnSpPr>
+          <p:nvPr/>
+        </p:nvCxnSpPr>
+        <p:spPr>
+          <a:xfrm rot="5400000">
+            <a:off x="2453933" y="3265645"/>
+            <a:ext cx="428635" cy="749508"/>
+          </a:xfrm>
+          <a:prstGeom prst="bentConnector4">
+            <a:avLst>
+              <a:gd name="adj1" fmla="val 33109"/>
+              <a:gd name="adj2" fmla="val 130500"/>
+            </a:avLst>
+          </a:prstGeom>
+          <a:ln>
+            <a:tailEnd type="triangle"/>
+          </a:ln>
+        </p:spPr>
+        <p:style>
+          <a:lnRef idx="1">
+            <a:schemeClr val="accent1"/>
+          </a:lnRef>
+          <a:fillRef idx="0">
+            <a:schemeClr val="accent1"/>
+          </a:fillRef>
+          <a:effectRef idx="0">
+            <a:schemeClr val="accent1"/>
+          </a:effectRef>
+          <a:fontRef idx="minor">
+            <a:schemeClr val="tx1"/>
+          </a:fontRef>
+        </p:style>
+      </p:cxnSp>
     </p:spTree>
     <p:extLst>
       <p:ext uri="{BB962C8B-B14F-4D97-AF65-F5344CB8AC3E}">
